--- a/pre/注解.pptx
+++ b/pre/注解.pptx
@@ -14,18 +14,19 @@
     <p:sldId id="562" r:id="rId6"/>
     <p:sldId id="563" r:id="rId8"/>
     <p:sldId id="604" r:id="rId9"/>
-    <p:sldId id="736" r:id="rId10"/>
-    <p:sldId id="700" r:id="rId11"/>
-    <p:sldId id="702" r:id="rId12"/>
-    <p:sldId id="703" r:id="rId13"/>
-    <p:sldId id="704" r:id="rId14"/>
-    <p:sldId id="719" r:id="rId15"/>
-    <p:sldId id="618" r:id="rId16"/>
-    <p:sldId id="619" r:id="rId17"/>
-    <p:sldId id="735" r:id="rId18"/>
-    <p:sldId id="734" r:id="rId19"/>
-    <p:sldId id="654" r:id="rId20"/>
-    <p:sldId id="350" r:id="rId21"/>
+    <p:sldId id="748" r:id="rId10"/>
+    <p:sldId id="736" r:id="rId11"/>
+    <p:sldId id="700" r:id="rId12"/>
+    <p:sldId id="702" r:id="rId13"/>
+    <p:sldId id="703" r:id="rId14"/>
+    <p:sldId id="704" r:id="rId15"/>
+    <p:sldId id="719" r:id="rId16"/>
+    <p:sldId id="618" r:id="rId17"/>
+    <p:sldId id="619" r:id="rId18"/>
+    <p:sldId id="735" r:id="rId19"/>
+    <p:sldId id="734" r:id="rId20"/>
+    <p:sldId id="654" r:id="rId21"/>
+    <p:sldId id="350" r:id="rId22"/>
   </p:sldIdLst>
   <p:sldSz cx="12192000" cy="6858000"/>
   <p:notesSz cx="6858000" cy="9144000"/>
@@ -4856,19 +4857,9 @@
                 <a:latin typeface="等线" panose="02010600030101010101" charset="-122"/>
                 <a:ea typeface="宋体" panose="02010600030101010101" pitchFamily="2" charset="-122"/>
               </a:rPr>
-              <a:t>-</a:t>
+              <a:t>-retrofit源码解析</a:t>
             </a:r>
-            <a:r>
-              <a:rPr lang="zh-CN" altLang="en-US" sz="3200" dirty="0" smtClean="0">
-                <a:solidFill>
-                  <a:srgbClr val="FF0000"/>
-                </a:solidFill>
-                <a:latin typeface="等线" panose="02010600030101010101" charset="-122"/>
-                <a:ea typeface="宋体" panose="02010600030101010101" pitchFamily="2" charset="-122"/>
-              </a:rPr>
-              <a:t>注解与代理模式</a:t>
-            </a:r>
-            <a:endParaRPr lang="zh-CN" altLang="en-US" sz="3200" dirty="0" smtClean="0">
+            <a:endParaRPr lang="en-US" altLang="zh-CN" sz="3200" dirty="0" smtClean="0">
               <a:solidFill>
                 <a:srgbClr val="FF0000"/>
               </a:solidFill>
@@ -5386,9 +5377,9 @@
         <p:grpSpPr>
           <a:xfrm>
             <a:off x="4319588" y="5273675"/>
-            <a:ext cx="4000500" cy="368300"/>
+            <a:ext cx="3796793" cy="368300"/>
             <a:chOff x="4060522" y="5638470"/>
-            <a:chExt cx="4001459" cy="367746"/>
+            <a:chExt cx="3797703" cy="367746"/>
           </a:xfrm>
         </p:grpSpPr>
         <p:grpSp>
@@ -5986,7 +5977,7 @@
           <p:spPr>
             <a:xfrm>
               <a:off x="4411254" y="5638470"/>
-              <a:ext cx="3650727" cy="367746"/>
+              <a:ext cx="3446971" cy="367746"/>
             </a:xfrm>
             <a:prstGeom prst="rect">
               <a:avLst/>
@@ -6002,7 +5993,7 @@
             </a:bodyPr>
             <a:lstStyle/>
             <a:p>
-              <a:pPr defTabSz="1219200"/>
+              <a:pPr algn="l" defTabSz="1219200"/>
               <a:r>
                 <a:rPr lang="zh-CN" altLang="en-US" dirty="0">
                   <a:solidFill>
@@ -6011,17 +6002,37 @@
                   <a:latin typeface="微软雅黑" panose="020B0503020204020204" pitchFamily="34" charset="-122"/>
                   <a:ea typeface="微软雅黑" panose="020B0503020204020204" pitchFamily="34" charset="-122"/>
                 </a:rPr>
-                <a:t>课程咨询依娜老师：</a:t>
+                <a:t>课程咨询</a:t>
               </a:r>
               <a:r>
-                <a:rPr lang="en-US" altLang="zh-CN" b="1" dirty="0">
+                <a:rPr dirty="0">
                   <a:solidFill>
                     <a:srgbClr val="7A7A7A"/>
                   </a:solidFill>
                   <a:latin typeface="微软雅黑" panose="020B0503020204020204" pitchFamily="34" charset="-122"/>
                   <a:ea typeface="微软雅黑" panose="020B0503020204020204" pitchFamily="34" charset="-122"/>
+                  <a:sym typeface="+mn-ea"/>
                 </a:rPr>
-                <a:t>2133576719</a:t>
+                <a:t>安生老师</a:t>
+              </a:r>
+              <a:r>
+                <a:rPr lang="zh-CN" altLang="en-US" dirty="0">
+                  <a:latin typeface="微软雅黑" panose="020B0503020204020204" pitchFamily="34" charset="-122"/>
+                  <a:ea typeface="微软雅黑" panose="020B0503020204020204" pitchFamily="34" charset="-122"/>
+                  <a:sym typeface="+mn-ea"/>
+                </a:rPr>
+                <a:t>：</a:t>
+              </a:r>
+              <a:r>
+                <a:rPr dirty="0">
+                  <a:solidFill>
+                    <a:srgbClr val="7A7A7A"/>
+                  </a:solidFill>
+                  <a:latin typeface="微软雅黑" panose="020B0503020204020204" pitchFamily="34" charset="-122"/>
+                  <a:ea typeface="微软雅黑" panose="020B0503020204020204" pitchFamily="34" charset="-122"/>
+                  <a:sym typeface="+mn-ea"/>
+                </a:rPr>
+                <a:t>669100976</a:t>
               </a:r>
               <a:endParaRPr lang="en-US" altLang="zh-CN" b="1" dirty="0">
                 <a:solidFill>
@@ -6072,7 +6083,7 @@
                 </a:solidFill>
                 <a:effectLst/>
               </a:rPr>
-              <a:t>15:35</a:t>
+              <a:t>20:05</a:t>
             </a:r>
             <a:r>
               <a:rPr lang="zh-CN" altLang="en-US">
@@ -6731,6 +6742,652 @@
                 <a:latin typeface="微软雅黑" panose="020B0503020204020204" pitchFamily="34" charset="-122"/>
                 <a:ea typeface="微软雅黑" panose="020B0503020204020204" pitchFamily="34" charset="-122"/>
               </a:rPr>
+              <a:t>@Retention</a:t>
+            </a:r>
+            <a:endParaRPr lang="zh-CN" altLang="en-US" sz="2665" dirty="0" smtClean="0">
+              <a:solidFill>
+                <a:srgbClr val="1D69A3"/>
+              </a:solidFill>
+              <a:latin typeface="微软雅黑" panose="020B0503020204020204" pitchFamily="34" charset="-122"/>
+              <a:ea typeface="微软雅黑" panose="020B0503020204020204" pitchFamily="34" charset="-122"/>
+            </a:endParaRPr>
+          </a:p>
+        </p:txBody>
+      </p:sp>
+      <p:sp>
+        <p:nvSpPr>
+          <p:cNvPr id="5" name="文本框 4"/>
+          <p:cNvSpPr txBox="1"/>
+          <p:nvPr/>
+        </p:nvSpPr>
+        <p:spPr>
+          <a:xfrm>
+            <a:off x="749300" y="1430655"/>
+            <a:ext cx="2540000" cy="368300"/>
+          </a:xfrm>
+          <a:prstGeom prst="rect">
+            <a:avLst/>
+          </a:prstGeom>
+          <a:noFill/>
+        </p:spPr>
+        <p:txBody>
+          <a:bodyPr wrap="square" rtlCol="0" anchor="t">
+            <a:spAutoFit/>
+          </a:bodyPr>
+          <a:p>
+            <a:r>
+              <a:rPr lang="zh-CN" altLang="en-US"/>
+              <a:t>定义该注解的生命周期</a:t>
+            </a:r>
+            <a:endParaRPr lang="zh-CN" altLang="en-US"/>
+          </a:p>
+        </p:txBody>
+      </p:sp>
+      <p:sp>
+        <p:nvSpPr>
+          <p:cNvPr id="7" name="文本框 6"/>
+          <p:cNvSpPr txBox="1"/>
+          <p:nvPr/>
+        </p:nvSpPr>
+        <p:spPr>
+          <a:xfrm>
+            <a:off x="1754505" y="2418080"/>
+            <a:ext cx="3310255" cy="368300"/>
+          </a:xfrm>
+          <a:prstGeom prst="rect">
+            <a:avLst/>
+          </a:prstGeom>
+          <a:noFill/>
+        </p:spPr>
+        <p:txBody>
+          <a:bodyPr wrap="square" rtlCol="0" anchor="t">
+            <a:spAutoFit/>
+          </a:bodyPr>
+          <a:p>
+            <a:r>
+              <a:rPr lang="zh-CN" altLang="en-US"/>
+              <a:t>RetentionPolicy.SOURCE</a:t>
+            </a:r>
+            <a:endParaRPr lang="zh-CN" altLang="en-US"/>
+          </a:p>
+        </p:txBody>
+      </p:sp>
+      <p:sp>
+        <p:nvSpPr>
+          <p:cNvPr id="8" name="文本框 7"/>
+          <p:cNvSpPr txBox="1"/>
+          <p:nvPr/>
+        </p:nvSpPr>
+        <p:spPr>
+          <a:xfrm>
+            <a:off x="1754505" y="2933700"/>
+            <a:ext cx="2540000" cy="368300"/>
+          </a:xfrm>
+          <a:prstGeom prst="rect">
+            <a:avLst/>
+          </a:prstGeom>
+          <a:noFill/>
+        </p:spPr>
+        <p:txBody>
+          <a:bodyPr wrap="square" rtlCol="0" anchor="t">
+            <a:spAutoFit/>
+          </a:bodyPr>
+          <a:p>
+            <a:r>
+              <a:rPr lang="zh-CN" altLang="en-US"/>
+              <a:t>RetentionPolicy.CLASS</a:t>
+            </a:r>
+            <a:endParaRPr lang="zh-CN" altLang="en-US"/>
+          </a:p>
+        </p:txBody>
+      </p:sp>
+      <p:sp>
+        <p:nvSpPr>
+          <p:cNvPr id="9" name="文本框 8"/>
+          <p:cNvSpPr txBox="1"/>
+          <p:nvPr/>
+        </p:nvSpPr>
+        <p:spPr>
+          <a:xfrm>
+            <a:off x="1754505" y="1902460"/>
+            <a:ext cx="3330575" cy="368300"/>
+          </a:xfrm>
+          <a:prstGeom prst="rect">
+            <a:avLst/>
+          </a:prstGeom>
+          <a:noFill/>
+        </p:spPr>
+        <p:txBody>
+          <a:bodyPr wrap="square" rtlCol="0" anchor="t">
+            <a:spAutoFit/>
+          </a:bodyPr>
+          <a:p>
+            <a:r>
+              <a:rPr lang="zh-CN" altLang="en-US">
+                <a:solidFill>
+                  <a:srgbClr val="FF0000"/>
+                </a:solidFill>
+              </a:rPr>
+              <a:t>RetentionPolicy.RUNTIME</a:t>
+            </a:r>
+            <a:endParaRPr lang="zh-CN" altLang="en-US">
+              <a:solidFill>
+                <a:srgbClr val="FF0000"/>
+              </a:solidFill>
+            </a:endParaRPr>
+          </a:p>
+        </p:txBody>
+      </p:sp>
+    </p:spTree>
+  </p:cSld>
+  <p:clrMapOvr>
+    <a:masterClrMapping/>
+  </p:clrMapOvr>
+  <mc:AlternateContent xmlns:mc="http://schemas.openxmlformats.org/markup-compatibility/2006">
+    <mc:Choice xmlns:p14="http://schemas.microsoft.com/office/powerpoint/2010/main" Requires="p14">
+      <p:transition spd="slow" p14:dur="1500">
+        <p:random/>
+      </p:transition>
+    </mc:Choice>
+    <mc:Fallback>
+      <p:transition spd="slow">
+        <p:random/>
+      </p:transition>
+    </mc:Fallback>
+  </mc:AlternateContent>
+  <p:timing>
+    <p:tnLst>
+      <p:par>
+        <p:cTn id="1" dur="indefinite" restart="never" nodeType="tmRoot">
+          <p:childTnLst>
+            <p:seq concurrent="1" nextAc="seek">
+              <p:cTn id="2" dur="indefinite" nodeType="mainSeq">
+                <p:childTnLst>
+                  <p:par>
+                    <p:cTn id="3" fill="hold">
+                      <p:stCondLst>
+                        <p:cond delay="indefinite"/>
+                        <p:cond evt="onBegin" delay="0">
+                          <p:tn val="2"/>
+                        </p:cond>
+                      </p:stCondLst>
+                      <p:childTnLst>
+                        <p:par>
+                          <p:cTn id="4" fill="hold">
+                            <p:stCondLst>
+                              <p:cond delay="0"/>
+                            </p:stCondLst>
+                            <p:childTnLst>
+                              <p:par>
+                                <p:cTn id="5" presetID="0" presetClass="entr" presetSubtype="0" fill="hold" nodeType="withEffect">
+                                  <p:stCondLst>
+                                    <p:cond delay="0"/>
+                                  </p:stCondLst>
+                                  <p:iterate type="lt">
+                                    <p:tmPct val="10000"/>
+                                  </p:iterate>
+                                  <p:childTnLst>
+                                    <p:set>
+                                      <p:cBhvr>
+                                        <p:cTn id="6" dur="1" fill="hold">
+                                          <p:stCondLst>
+                                            <p:cond delay="0"/>
+                                          </p:stCondLst>
+                                        </p:cTn>
+                                        <p:tgtEl>
+                                          <p:spTgt spid="2"/>
+                                        </p:tgtEl>
+                                        <p:attrNameLst>
+                                          <p:attrName>style.visibility</p:attrName>
+                                        </p:attrNameLst>
+                                      </p:cBhvr>
+                                      <p:to>
+                                        <p:strVal val="visible"/>
+                                      </p:to>
+                                    </p:set>
+                                    <p:anim to="" calcmode="lin" valueType="num">
+                                      <p:cBhvr>
+                                        <p:cTn id="7" dur="700" fill="hold">
+                                          <p:stCondLst>
+                                            <p:cond delay="0"/>
+                                          </p:stCondLst>
+                                        </p:cTn>
+                                        <p:tgtEl>
+                                          <p:spTgt spid="2"/>
+                                        </p:tgtEl>
+                                        <p:attrNameLst>
+                                          <p:attrName>ppt_x</p:attrName>
+                                        </p:attrNameLst>
+                                      </p:cBhvr>
+                                      <p:tavLst>
+                                        <p:tav tm="0" fmla="#ppt_x-(-#ppt_w/2*cos(ppt_r/180*pi))*((1.5-1.5*$)^2-(1.5-1.5*$)^3)">
+                                          <p:val>
+                                            <p:fltVal val="0"/>
+                                          </p:val>
+                                        </p:tav>
+                                        <p:tav tm="100000">
+                                          <p:val>
+                                            <p:fltVal val="1"/>
+                                          </p:val>
+                                        </p:tav>
+                                      </p:tavLst>
+                                    </p:anim>
+                                    <p:anim to="" calcmode="lin" valueType="num">
+                                      <p:cBhvr>
+                                        <p:cTn id="8" dur="700" fill="hold">
+                                          <p:stCondLst>
+                                            <p:cond delay="0"/>
+                                          </p:stCondLst>
+                                        </p:cTn>
+                                        <p:tgtEl>
+                                          <p:spTgt spid="2"/>
+                                        </p:tgtEl>
+                                        <p:attrNameLst>
+                                          <p:attrName>ppt_y</p:attrName>
+                                        </p:attrNameLst>
+                                      </p:cBhvr>
+                                      <p:tavLst>
+                                        <p:tav tm="0" fmla="#ppt_y+(-#ppt_h/2*cos(ppt_r/180*pi))*((1.5-1.5*$)^2-(1.5-1.5*$)^3)">
+                                          <p:val>
+                                            <p:fltVal val="0"/>
+                                          </p:val>
+                                        </p:tav>
+                                        <p:tav tm="100000">
+                                          <p:val>
+                                            <p:fltVal val="1"/>
+                                          </p:val>
+                                        </p:tav>
+                                      </p:tavLst>
+                                    </p:anim>
+                                    <p:anim to="" calcmode="lin" valueType="num">
+                                      <p:cBhvr>
+                                        <p:cTn id="9" dur="700" fill="hold">
+                                          <p:stCondLst>
+                                            <p:cond delay="0"/>
+                                          </p:stCondLst>
+                                        </p:cTn>
+                                        <p:tgtEl>
+                                          <p:spTgt spid="2"/>
+                                        </p:tgtEl>
+                                        <p:attrNameLst>
+                                          <p:attrName>ppt_h</p:attrName>
+                                        </p:attrNameLst>
+                                      </p:cBhvr>
+                                      <p:tavLst>
+                                        <p:tav tm="0" fmla="#ppt_h-(-#ppt_h)*((1.5-1.5*$)^2-(1.5-1.5*$)^3)">
+                                          <p:val>
+                                            <p:fltVal val="0"/>
+                                          </p:val>
+                                        </p:tav>
+                                        <p:tav tm="100000">
+                                          <p:val>
+                                            <p:fltVal val="1"/>
+                                          </p:val>
+                                        </p:tav>
+                                      </p:tavLst>
+                                    </p:anim>
+                                    <p:anim to="" calcmode="lin" valueType="num">
+                                      <p:cBhvr>
+                                        <p:cTn id="10" dur="700" fill="hold">
+                                          <p:stCondLst>
+                                            <p:cond delay="0"/>
+                                          </p:stCondLst>
+                                        </p:cTn>
+                                        <p:tgtEl>
+                                          <p:spTgt spid="2"/>
+                                        </p:tgtEl>
+                                        <p:attrNameLst>
+                                          <p:attrName>ppt_w</p:attrName>
+                                        </p:attrNameLst>
+                                      </p:cBhvr>
+                                      <p:tavLst>
+                                        <p:tav tm="0" fmla="#ppt_w-(-#ppt_w)*((1.5-1.5*$)^2-(1.5-1.5*$)^3)">
+                                          <p:val>
+                                            <p:fltVal val="0"/>
+                                          </p:val>
+                                        </p:tav>
+                                        <p:tav tm="100000">
+                                          <p:val>
+                                            <p:fltVal val="1"/>
+                                          </p:val>
+                                        </p:tav>
+                                      </p:tavLst>
+                                    </p:anim>
+                                  </p:childTnLst>
+                                </p:cTn>
+                              </p:par>
+                            </p:childTnLst>
+                          </p:cTn>
+                        </p:par>
+                      </p:childTnLst>
+                    </p:cTn>
+                  </p:par>
+                </p:childTnLst>
+              </p:cTn>
+              <p:prevCondLst>
+                <p:cond evt="onPrev" delay="0">
+                  <p:tgtEl>
+                    <p:sldTgt/>
+                  </p:tgtEl>
+                </p:cond>
+              </p:prevCondLst>
+              <p:nextCondLst>
+                <p:cond evt="onNext" delay="0">
+                  <p:tgtEl>
+                    <p:sldTgt/>
+                  </p:tgtEl>
+                </p:cond>
+              </p:nextCondLst>
+            </p:seq>
+          </p:childTnLst>
+        </p:cTn>
+      </p:par>
+    </p:tnLst>
+  </p:timing>
+</p:sld>
+</file>
+
+<file path=ppt/slides/slide11.xml><?xml version="1.0" encoding="utf-8"?>
+<p:sld xmlns:a="http://schemas.openxmlformats.org/drawingml/2006/main" xmlns:r="http://schemas.openxmlformats.org/officeDocument/2006/relationships" xmlns:p="http://schemas.openxmlformats.org/presentationml/2006/main">
+  <p:cSld>
+    <p:spTree>
+      <p:nvGrpSpPr>
+        <p:cNvPr id="1" name=""/>
+        <p:cNvGrpSpPr/>
+        <p:nvPr/>
+      </p:nvGrpSpPr>
+      <p:grpSpPr>
+        <a:xfrm>
+          <a:off x="0" y="0"/>
+          <a:ext cx="0" cy="0"/>
+          <a:chOff x="0" y="0"/>
+          <a:chExt cx="0" cy="0"/>
+        </a:xfrm>
+      </p:grpSpPr>
+      <p:grpSp>
+        <p:nvGrpSpPr>
+          <p:cNvPr id="2" name="PA_组合 47"/>
+          <p:cNvGrpSpPr/>
+          <p:nvPr>
+            <p:custDataLst>
+              <p:tags r:id="rId1"/>
+            </p:custDataLst>
+          </p:nvPr>
+        </p:nvGrpSpPr>
+        <p:grpSpPr>
+          <a:xfrm>
+            <a:off x="554877" y="932724"/>
+            <a:ext cx="1199456" cy="74689"/>
+            <a:chOff x="0" y="2842590"/>
+            <a:chExt cx="7054752" cy="89199"/>
+          </a:xfrm>
+        </p:grpSpPr>
+        <p:sp>
+          <p:nvSpPr>
+            <p:cNvPr id="49" name="矩形 48"/>
+            <p:cNvSpPr/>
+            <p:nvPr/>
+          </p:nvSpPr>
+          <p:spPr>
+            <a:xfrm>
+              <a:off x="0" y="2842590"/>
+              <a:ext cx="1763688" cy="89199"/>
+            </a:xfrm>
+            <a:prstGeom prst="rect">
+              <a:avLst/>
+            </a:prstGeom>
+            <a:solidFill>
+              <a:schemeClr val="accent1"/>
+            </a:solidFill>
+            <a:ln>
+              <a:noFill/>
+            </a:ln>
+          </p:spPr>
+          <p:style>
+            <a:lnRef idx="2">
+              <a:schemeClr val="accent1">
+                <a:shade val="50000"/>
+              </a:schemeClr>
+            </a:lnRef>
+            <a:fillRef idx="1">
+              <a:schemeClr val="accent1"/>
+            </a:fillRef>
+            <a:effectRef idx="0">
+              <a:schemeClr val="accent1"/>
+            </a:effectRef>
+            <a:fontRef idx="minor">
+              <a:schemeClr val="lt1"/>
+            </a:fontRef>
+          </p:style>
+          <p:txBody>
+            <a:bodyPr rtlCol="0" anchor="ctr"/>
+            <a:lstStyle/>
+            <a:p>
+              <a:pPr algn="ctr" defTabSz="1218565"/>
+              <a:endParaRPr lang="zh-CN" altLang="en-US" sz="2400">
+                <a:solidFill>
+                  <a:srgbClr val="FFFFFF"/>
+                </a:solidFill>
+                <a:latin typeface="Calibri" panose="020F0502020204030204"/>
+                <a:ea typeface="宋体" panose="02010600030101010101" pitchFamily="2" charset="-122"/>
+              </a:endParaRPr>
+            </a:p>
+          </p:txBody>
+        </p:sp>
+        <p:sp>
+          <p:nvSpPr>
+            <p:cNvPr id="50" name="矩形 49"/>
+            <p:cNvSpPr/>
+            <p:nvPr/>
+          </p:nvSpPr>
+          <p:spPr>
+            <a:xfrm>
+              <a:off x="1763688" y="2842590"/>
+              <a:ext cx="1763688" cy="89199"/>
+            </a:xfrm>
+            <a:prstGeom prst="rect">
+              <a:avLst/>
+            </a:prstGeom>
+            <a:solidFill>
+              <a:schemeClr val="accent2"/>
+            </a:solidFill>
+            <a:ln>
+              <a:noFill/>
+            </a:ln>
+          </p:spPr>
+          <p:style>
+            <a:lnRef idx="2">
+              <a:schemeClr val="accent1">
+                <a:shade val="50000"/>
+              </a:schemeClr>
+            </a:lnRef>
+            <a:fillRef idx="1">
+              <a:schemeClr val="accent1"/>
+            </a:fillRef>
+            <a:effectRef idx="0">
+              <a:schemeClr val="accent1"/>
+            </a:effectRef>
+            <a:fontRef idx="minor">
+              <a:schemeClr val="lt1"/>
+            </a:fontRef>
+          </p:style>
+          <p:txBody>
+            <a:bodyPr rtlCol="0" anchor="ctr"/>
+            <a:lstStyle/>
+            <a:p>
+              <a:pPr algn="ctr" defTabSz="1218565"/>
+              <a:endParaRPr lang="zh-CN" altLang="en-US" sz="2400">
+                <a:solidFill>
+                  <a:srgbClr val="FFFFFF"/>
+                </a:solidFill>
+                <a:latin typeface="Calibri" panose="020F0502020204030204"/>
+                <a:ea typeface="宋体" panose="02010600030101010101" pitchFamily="2" charset="-122"/>
+              </a:endParaRPr>
+            </a:p>
+          </p:txBody>
+        </p:sp>
+        <p:sp>
+          <p:nvSpPr>
+            <p:cNvPr id="51" name="矩形 50"/>
+            <p:cNvSpPr/>
+            <p:nvPr/>
+          </p:nvSpPr>
+          <p:spPr>
+            <a:xfrm>
+              <a:off x="3527376" y="2842590"/>
+              <a:ext cx="1763688" cy="89199"/>
+            </a:xfrm>
+            <a:prstGeom prst="rect">
+              <a:avLst/>
+            </a:prstGeom>
+            <a:solidFill>
+              <a:schemeClr val="accent3"/>
+            </a:solidFill>
+            <a:ln>
+              <a:noFill/>
+            </a:ln>
+          </p:spPr>
+          <p:style>
+            <a:lnRef idx="2">
+              <a:schemeClr val="accent1">
+                <a:shade val="50000"/>
+              </a:schemeClr>
+            </a:lnRef>
+            <a:fillRef idx="1">
+              <a:schemeClr val="accent1"/>
+            </a:fillRef>
+            <a:effectRef idx="0">
+              <a:schemeClr val="accent1"/>
+            </a:effectRef>
+            <a:fontRef idx="minor">
+              <a:schemeClr val="lt1"/>
+            </a:fontRef>
+          </p:style>
+          <p:txBody>
+            <a:bodyPr rtlCol="0" anchor="ctr"/>
+            <a:lstStyle/>
+            <a:p>
+              <a:pPr algn="ctr" defTabSz="1218565"/>
+              <a:endParaRPr lang="zh-CN" altLang="en-US" sz="2400">
+                <a:solidFill>
+                  <a:srgbClr val="FFFFFF"/>
+                </a:solidFill>
+                <a:latin typeface="Calibri" panose="020F0502020204030204"/>
+                <a:ea typeface="宋体" panose="02010600030101010101" pitchFamily="2" charset="-122"/>
+              </a:endParaRPr>
+            </a:p>
+          </p:txBody>
+        </p:sp>
+        <p:sp>
+          <p:nvSpPr>
+            <p:cNvPr id="52" name="矩形 51"/>
+            <p:cNvSpPr/>
+            <p:nvPr/>
+          </p:nvSpPr>
+          <p:spPr>
+            <a:xfrm>
+              <a:off x="5291064" y="2842590"/>
+              <a:ext cx="1763688" cy="89199"/>
+            </a:xfrm>
+            <a:prstGeom prst="rect">
+              <a:avLst/>
+            </a:prstGeom>
+            <a:solidFill>
+              <a:schemeClr val="accent4"/>
+            </a:solidFill>
+            <a:ln>
+              <a:noFill/>
+            </a:ln>
+          </p:spPr>
+          <p:style>
+            <a:lnRef idx="2">
+              <a:schemeClr val="accent1">
+                <a:shade val="50000"/>
+              </a:schemeClr>
+            </a:lnRef>
+            <a:fillRef idx="1">
+              <a:schemeClr val="accent1"/>
+            </a:fillRef>
+            <a:effectRef idx="0">
+              <a:schemeClr val="accent1"/>
+            </a:effectRef>
+            <a:fontRef idx="minor">
+              <a:schemeClr val="lt1"/>
+            </a:fontRef>
+          </p:style>
+          <p:txBody>
+            <a:bodyPr rtlCol="0" anchor="ctr"/>
+            <a:lstStyle/>
+            <a:p>
+              <a:pPr algn="ctr" defTabSz="1218565"/>
+              <a:endParaRPr lang="zh-CN" altLang="en-US" sz="2400">
+                <a:solidFill>
+                  <a:srgbClr val="FFFFFF"/>
+                </a:solidFill>
+                <a:latin typeface="Calibri" panose="020F0502020204030204"/>
+                <a:ea typeface="宋体" panose="02010600030101010101" pitchFamily="2" charset="-122"/>
+              </a:endParaRPr>
+            </a:p>
+          </p:txBody>
+        </p:sp>
+      </p:grpSp>
+      <p:cxnSp>
+        <p:nvCxnSpPr>
+          <p:cNvPr id="17" name="直接连接符 2"/>
+          <p:cNvCxnSpPr>
+            <a:cxnSpLocks noChangeShapeType="1"/>
+          </p:cNvCxnSpPr>
+          <p:nvPr/>
+        </p:nvCxnSpPr>
+        <p:spPr bwMode="auto">
+          <a:xfrm flipV="1">
+            <a:off x="-44609" y="1060219"/>
+            <a:ext cx="12188825" cy="50801"/>
+          </a:xfrm>
+          <a:prstGeom prst="line">
+            <a:avLst/>
+          </a:prstGeom>
+          <a:noFill/>
+          <a:ln w="9525" algn="ctr">
+            <a:solidFill>
+              <a:srgbClr val="00B0F0">
+                <a:alpha val="34117"/>
+              </a:srgbClr>
+            </a:solidFill>
+            <a:prstDash val="dash"/>
+            <a:round/>
+          </a:ln>
+        </p:spPr>
+      </p:cxnSp>
+      <p:sp>
+        <p:nvSpPr>
+          <p:cNvPr id="4" name="文本框 3"/>
+          <p:cNvSpPr txBox="1"/>
+          <p:nvPr/>
+        </p:nvSpPr>
+        <p:spPr>
+          <a:xfrm>
+            <a:off x="554990" y="377190"/>
+            <a:ext cx="2540000" cy="501650"/>
+          </a:xfrm>
+          <a:prstGeom prst="rect">
+            <a:avLst/>
+          </a:prstGeom>
+          <a:noFill/>
+        </p:spPr>
+        <p:txBody>
+          <a:bodyPr wrap="square" rtlCol="0" anchor="t">
+            <a:spAutoFit/>
+          </a:bodyPr>
+          <a:p>
+            <a:r>
+              <a:rPr lang="en-US" altLang="zh-CN" sz="2665" dirty="0" smtClean="0">
+                <a:solidFill>
+                  <a:srgbClr val="1D69A3"/>
+                </a:solidFill>
+                <a:latin typeface="微软雅黑" panose="020B0503020204020204" pitchFamily="34" charset="-122"/>
+                <a:ea typeface="微软雅黑" panose="020B0503020204020204" pitchFamily="34" charset="-122"/>
+              </a:rPr>
               <a:t>@Target</a:t>
             </a:r>
             <a:endParaRPr lang="zh-CN" altLang="en-US" sz="2665" dirty="0" smtClean="0">
@@ -7064,7 +7721,7 @@
 </p:sld>
 </file>
 
-<file path=ppt/slides/slide11.xml><?xml version="1.0" encoding="utf-8"?>
+<file path=ppt/slides/slide12.xml><?xml version="1.0" encoding="utf-8"?>
 <p:sld xmlns:a="http://schemas.openxmlformats.org/drawingml/2006/main" xmlns:r="http://schemas.openxmlformats.org/officeDocument/2006/relationships" xmlns:p="http://schemas.openxmlformats.org/presentationml/2006/main">
   <p:cSld>
     <p:spTree>
@@ -7660,7 +8317,7 @@
 </p:sld>
 </file>
 
-<file path=ppt/slides/slide12.xml><?xml version="1.0" encoding="utf-8"?>
+<file path=ppt/slides/slide13.xml><?xml version="1.0" encoding="utf-8"?>
 <p:sld xmlns:a="http://schemas.openxmlformats.org/drawingml/2006/main" xmlns:r="http://schemas.openxmlformats.org/officeDocument/2006/relationships" xmlns:p="http://schemas.openxmlformats.org/presentationml/2006/main">
   <p:cSld>
     <p:spTree>
@@ -8060,32 +8717,8 @@
         </p:blipFill>
         <p:spPr>
           <a:xfrm>
-            <a:off x="9061450" y="2595880"/>
+            <a:off x="8945245" y="2459990"/>
             <a:ext cx="2095500" cy="1400175"/>
-          </a:xfrm>
-          <a:prstGeom prst="rect">
-            <a:avLst/>
-          </a:prstGeom>
-        </p:spPr>
-      </p:pic>
-      <p:pic>
-        <p:nvPicPr>
-          <p:cNvPr id="4" name="图片 3"/>
-          <p:cNvPicPr>
-            <a:picLocks noChangeAspect="1"/>
-          </p:cNvPicPr>
-          <p:nvPr/>
-        </p:nvPicPr>
-        <p:blipFill>
-          <a:blip r:embed="rId4"/>
-          <a:stretch>
-            <a:fillRect/>
-          </a:stretch>
-        </p:blipFill>
-        <p:spPr>
-          <a:xfrm>
-            <a:off x="6159500" y="2241550"/>
-            <a:ext cx="1422400" cy="1645920"/>
           </a:xfrm>
           <a:prstGeom prst="rect">
             <a:avLst/>
@@ -8101,7 +8734,7 @@
           <p:nvPr/>
         </p:nvPicPr>
         <p:blipFill>
-          <a:blip r:embed="rId5"/>
+          <a:blip r:embed="rId4"/>
           <a:stretch>
             <a:fillRect/>
           </a:stretch>
@@ -8110,30 +8743,6 @@
           <a:xfrm>
             <a:off x="1085215" y="1805305"/>
             <a:ext cx="2745105" cy="3081655"/>
-          </a:xfrm>
-          <a:prstGeom prst="rect">
-            <a:avLst/>
-          </a:prstGeom>
-        </p:spPr>
-      </p:pic>
-      <p:pic>
-        <p:nvPicPr>
-          <p:cNvPr id="8" name="图片 7"/>
-          <p:cNvPicPr>
-            <a:picLocks noChangeAspect="1"/>
-          </p:cNvPicPr>
-          <p:nvPr/>
-        </p:nvPicPr>
-        <p:blipFill>
-          <a:blip r:embed="rId6"/>
-          <a:stretch>
-            <a:fillRect/>
-          </a:stretch>
-        </p:blipFill>
-        <p:spPr>
-          <a:xfrm>
-            <a:off x="9061450" y="4571365"/>
-            <a:ext cx="1152525" cy="1152525"/>
           </a:xfrm>
           <a:prstGeom prst="rect">
             <a:avLst/>
@@ -8206,132 +8815,93 @@
           </a:fontRef>
         </p:style>
       </p:cxnSp>
-      <p:cxnSp>
-        <p:nvCxnSpPr>
-          <p:cNvPr id="11" name="曲线连接符 10"/>
-          <p:cNvCxnSpPr/>
+      <p:sp>
+        <p:nvSpPr>
+          <p:cNvPr id="19" name="文本框 18"/>
+          <p:cNvSpPr txBox="1"/>
           <p:nvPr/>
-        </p:nvCxnSpPr>
+        </p:nvSpPr>
         <p:spPr>
           <a:xfrm>
-            <a:off x="7581900" y="3573780"/>
-            <a:ext cx="1560830" cy="1448435"/>
-          </a:xfrm>
-          <a:prstGeom prst="curvedConnector3">
-            <a:avLst>
-              <a:gd name="adj1" fmla="val 50000"/>
-            </a:avLst>
-          </a:prstGeom>
-          <a:ln>
-            <a:solidFill>
-              <a:srgbClr val="00B050"/>
-            </a:solidFill>
-            <a:prstDash val="sysDash"/>
-            <a:tailEnd type="arrow" w="med" len="med"/>
-          </a:ln>
-        </p:spPr>
-        <p:style>
-          <a:lnRef idx="3">
-            <a:schemeClr val="accent6"/>
-          </a:lnRef>
-          <a:fillRef idx="0">
-            <a:schemeClr val="accent6"/>
-          </a:fillRef>
-          <a:effectRef idx="2">
-            <a:schemeClr val="accent6"/>
-          </a:effectRef>
-          <a:fontRef idx="minor">
-            <a:schemeClr val="tx1"/>
-          </a:fontRef>
-        </p:style>
-      </p:cxnSp>
-      <p:pic>
-        <p:nvPicPr>
-          <p:cNvPr id="15" name="图片 14"/>
-          <p:cNvPicPr>
-            <a:picLocks noChangeAspect="1"/>
-          </p:cNvPicPr>
-          <p:nvPr/>
-        </p:nvPicPr>
-        <p:blipFill>
-          <a:blip r:embed="rId4"/>
-          <a:stretch>
-            <a:fillRect/>
-          </a:stretch>
-        </p:blipFill>
-        <p:spPr>
-          <a:xfrm>
-            <a:off x="6159500" y="2219960"/>
-            <a:ext cx="1422400" cy="1645920"/>
+            <a:off x="2632710" y="1257300"/>
+            <a:ext cx="1554480" cy="368300"/>
           </a:xfrm>
           <a:prstGeom prst="rect">
             <a:avLst/>
           </a:prstGeom>
+          <a:noFill/>
         </p:spPr>
-      </p:pic>
-      <p:pic>
-        <p:nvPicPr>
-          <p:cNvPr id="16" name="图片 15"/>
-          <p:cNvPicPr>
-            <a:picLocks noChangeAspect="1"/>
-          </p:cNvPicPr>
+        <p:txBody>
+          <a:bodyPr wrap="none" rtlCol="0">
+            <a:spAutoFit/>
+          </a:bodyPr>
+          <a:p>
+            <a:r>
+              <a:rPr lang="zh-CN" altLang="en-US"/>
+              <a:t>拍电影的公司</a:t>
+            </a:r>
+            <a:endParaRPr lang="zh-CN" altLang="en-US"/>
+          </a:p>
+        </p:txBody>
+      </p:sp>
+      <p:sp>
+        <p:nvSpPr>
+          <p:cNvPr id="20" name="文本框 19"/>
+          <p:cNvSpPr txBox="1"/>
           <p:nvPr/>
-        </p:nvPicPr>
-        <p:blipFill>
-          <a:blip r:embed="rId6"/>
-          <a:stretch>
-            <a:fillRect/>
-          </a:stretch>
-        </p:blipFill>
+        </p:nvSpPr>
         <p:spPr>
           <a:xfrm>
-            <a:off x="9061450" y="4549775"/>
-            <a:ext cx="1152525" cy="1152525"/>
+            <a:off x="6727190" y="1543050"/>
+            <a:ext cx="1783080" cy="368300"/>
           </a:xfrm>
           <a:prstGeom prst="rect">
             <a:avLst/>
           </a:prstGeom>
+          <a:noFill/>
         </p:spPr>
-      </p:pic>
-      <p:cxnSp>
-        <p:nvCxnSpPr>
-          <p:cNvPr id="18" name="曲线连接符 17"/>
-          <p:cNvCxnSpPr/>
+        <p:txBody>
+          <a:bodyPr wrap="none" rtlCol="0">
+            <a:spAutoFit/>
+          </a:bodyPr>
+          <a:p>
+            <a:r>
+              <a:rPr lang="zh-CN" altLang="en-US"/>
+              <a:t>代理类，委托类</a:t>
+            </a:r>
+            <a:endParaRPr lang="zh-CN" altLang="en-US"/>
+          </a:p>
+        </p:txBody>
+      </p:sp>
+      <p:sp>
+        <p:nvSpPr>
+          <p:cNvPr id="21" name="文本框 20"/>
+          <p:cNvSpPr txBox="1"/>
           <p:nvPr/>
-        </p:nvCxnSpPr>
+        </p:nvSpPr>
         <p:spPr>
           <a:xfrm>
-            <a:off x="7581900" y="3552190"/>
-            <a:ext cx="1560830" cy="1448435"/>
+            <a:off x="9870440" y="2162175"/>
+            <a:ext cx="1097280" cy="368300"/>
           </a:xfrm>
-          <a:prstGeom prst="curvedConnector3">
-            <a:avLst>
-              <a:gd name="adj1" fmla="val 50000"/>
-            </a:avLst>
+          <a:prstGeom prst="rect">
+            <a:avLst/>
           </a:prstGeom>
-          <a:ln>
-            <a:solidFill>
-              <a:srgbClr val="00B050"/>
-            </a:solidFill>
-            <a:prstDash val="sysDash"/>
-            <a:tailEnd type="arrow" w="med" len="med"/>
-          </a:ln>
+          <a:noFill/>
         </p:spPr>
-        <p:style>
-          <a:lnRef idx="3">
-            <a:schemeClr val="accent6"/>
-          </a:lnRef>
-          <a:fillRef idx="0">
-            <a:schemeClr val="accent6"/>
-          </a:fillRef>
-          <a:effectRef idx="2">
-            <a:schemeClr val="accent6"/>
-          </a:effectRef>
-          <a:fontRef idx="minor">
-            <a:schemeClr val="tx1"/>
-          </a:fontRef>
-        </p:style>
-      </p:cxnSp>
+        <p:txBody>
+          <a:bodyPr wrap="none" rtlCol="0">
+            <a:spAutoFit/>
+          </a:bodyPr>
+          <a:p>
+            <a:r>
+              <a:rPr lang="zh-CN" altLang="en-US"/>
+              <a:t>被代理类</a:t>
+            </a:r>
+            <a:endParaRPr lang="zh-CN" altLang="en-US"/>
+          </a:p>
+        </p:txBody>
+      </p:sp>
     </p:spTree>
   </p:cSld>
   <p:clrMapOvr>
@@ -8654,571 +9224,6 @@
                       </p:childTnLst>
                     </p:cTn>
                   </p:par>
-                  <p:par>
-                    <p:cTn id="17" fill="hold">
-                      <p:stCondLst>
-                        <p:cond delay="indefinite"/>
-                      </p:stCondLst>
-                      <p:childTnLst>
-                        <p:par>
-                          <p:cTn id="18" fill="hold">
-                            <p:stCondLst>
-                              <p:cond delay="0"/>
-                            </p:stCondLst>
-                            <p:childTnLst>
-                              <p:par>
-                                <p:cTn id="19" presetID="2" presetClass="exit" presetSubtype="4" fill="hold" nodeType="clickEffect">
-                                  <p:stCondLst>
-                                    <p:cond delay="0"/>
-                                  </p:stCondLst>
-                                  <p:childTnLst>
-                                    <p:anim calcmode="lin" valueType="num">
-                                      <p:cBhvr additive="base">
-                                        <p:cTn id="20" dur="500"/>
-                                        <p:tgtEl>
-                                          <p:spTgt spid="8"/>
-                                        </p:tgtEl>
-                                        <p:attrNameLst>
-                                          <p:attrName>ppt_x</p:attrName>
-                                        </p:attrNameLst>
-                                      </p:cBhvr>
-                                      <p:tavLst>
-                                        <p:tav tm="0">
-                                          <p:val>
-                                            <p:strVal val="ppt_x"/>
-                                          </p:val>
-                                        </p:tav>
-                                        <p:tav tm="100000">
-                                          <p:val>
-                                            <p:strVal val="ppt_x"/>
-                                          </p:val>
-                                        </p:tav>
-                                      </p:tavLst>
-                                    </p:anim>
-                                    <p:anim calcmode="lin" valueType="num">
-                                      <p:cBhvr additive="base">
-                                        <p:cTn id="21" dur="500"/>
-                                        <p:tgtEl>
-                                          <p:spTgt spid="8"/>
-                                        </p:tgtEl>
-                                        <p:attrNameLst>
-                                          <p:attrName>ppt_y</p:attrName>
-                                        </p:attrNameLst>
-                                      </p:cBhvr>
-                                      <p:tavLst>
-                                        <p:tav tm="0">
-                                          <p:val>
-                                            <p:strVal val="ppt_y"/>
-                                          </p:val>
-                                        </p:tav>
-                                        <p:tav tm="100000">
-                                          <p:val>
-                                            <p:strVal val="1+ppt_h/2"/>
-                                          </p:val>
-                                        </p:tav>
-                                      </p:tavLst>
-                                    </p:anim>
-                                    <p:set>
-                                      <p:cBhvr>
-                                        <p:cTn id="22" dur="1" fill="hold">
-                                          <p:stCondLst>
-                                            <p:cond delay="499"/>
-                                          </p:stCondLst>
-                                        </p:cTn>
-                                        <p:tgtEl>
-                                          <p:spTgt spid="8"/>
-                                        </p:tgtEl>
-                                        <p:attrNameLst>
-                                          <p:attrName>style.visibility</p:attrName>
-                                        </p:attrNameLst>
-                                      </p:cBhvr>
-                                      <p:to>
-                                        <p:strVal val="hidden"/>
-                                      </p:to>
-                                    </p:set>
-                                  </p:childTnLst>
-                                </p:cTn>
-                              </p:par>
-                              <p:par>
-                                <p:cTn id="23" presetID="2" presetClass="exit" presetSubtype="4" fill="hold" nodeType="withEffect">
-                                  <p:stCondLst>
-                                    <p:cond delay="0"/>
-                                  </p:stCondLst>
-                                  <p:childTnLst>
-                                    <p:anim calcmode="lin" valueType="num">
-                                      <p:cBhvr additive="base">
-                                        <p:cTn id="24" dur="500"/>
-                                        <p:tgtEl>
-                                          <p:spTgt spid="4"/>
-                                        </p:tgtEl>
-                                        <p:attrNameLst>
-                                          <p:attrName>ppt_x</p:attrName>
-                                        </p:attrNameLst>
-                                      </p:cBhvr>
-                                      <p:tavLst>
-                                        <p:tav tm="0">
-                                          <p:val>
-                                            <p:strVal val="ppt_x"/>
-                                          </p:val>
-                                        </p:tav>
-                                        <p:tav tm="100000">
-                                          <p:val>
-                                            <p:strVal val="ppt_x"/>
-                                          </p:val>
-                                        </p:tav>
-                                      </p:tavLst>
-                                    </p:anim>
-                                    <p:anim calcmode="lin" valueType="num">
-                                      <p:cBhvr additive="base">
-                                        <p:cTn id="25" dur="500"/>
-                                        <p:tgtEl>
-                                          <p:spTgt spid="4"/>
-                                        </p:tgtEl>
-                                        <p:attrNameLst>
-                                          <p:attrName>ppt_y</p:attrName>
-                                        </p:attrNameLst>
-                                      </p:cBhvr>
-                                      <p:tavLst>
-                                        <p:tav tm="0">
-                                          <p:val>
-                                            <p:strVal val="ppt_y"/>
-                                          </p:val>
-                                        </p:tav>
-                                        <p:tav tm="100000">
-                                          <p:val>
-                                            <p:strVal val="1+ppt_h/2"/>
-                                          </p:val>
-                                        </p:tav>
-                                      </p:tavLst>
-                                    </p:anim>
-                                    <p:set>
-                                      <p:cBhvr>
-                                        <p:cTn id="26" dur="1" fill="hold">
-                                          <p:stCondLst>
-                                            <p:cond delay="499"/>
-                                          </p:stCondLst>
-                                        </p:cTn>
-                                        <p:tgtEl>
-                                          <p:spTgt spid="4"/>
-                                        </p:tgtEl>
-                                        <p:attrNameLst>
-                                          <p:attrName>style.visibility</p:attrName>
-                                        </p:attrNameLst>
-                                      </p:cBhvr>
-                                      <p:to>
-                                        <p:strVal val="hidden"/>
-                                      </p:to>
-                                    </p:set>
-                                  </p:childTnLst>
-                                </p:cTn>
-                              </p:par>
-                            </p:childTnLst>
-                          </p:cTn>
-                        </p:par>
-                      </p:childTnLst>
-                    </p:cTn>
-                  </p:par>
-                  <p:par>
-                    <p:cTn id="27" fill="hold">
-                      <p:stCondLst>
-                        <p:cond delay="indefinite"/>
-                      </p:stCondLst>
-                      <p:childTnLst>
-                        <p:par>
-                          <p:cTn id="28" fill="hold">
-                            <p:stCondLst>
-                              <p:cond delay="0"/>
-                            </p:stCondLst>
-                            <p:childTnLst>
-                              <p:par>
-                                <p:cTn id="29" presetID="2" presetClass="exit" presetSubtype="4" fill="hold" nodeType="clickEffect">
-                                  <p:stCondLst>
-                                    <p:cond delay="0"/>
-                                  </p:stCondLst>
-                                  <p:childTnLst>
-                                    <p:anim calcmode="lin" valueType="num">
-                                      <p:cBhvr additive="base">
-                                        <p:cTn id="30" dur="500"/>
-                                        <p:tgtEl>
-                                          <p:spTgt spid="16"/>
-                                        </p:tgtEl>
-                                        <p:attrNameLst>
-                                          <p:attrName>ppt_x</p:attrName>
-                                        </p:attrNameLst>
-                                      </p:cBhvr>
-                                      <p:tavLst>
-                                        <p:tav tm="0">
-                                          <p:val>
-                                            <p:strVal val="ppt_x"/>
-                                          </p:val>
-                                        </p:tav>
-                                        <p:tav tm="100000">
-                                          <p:val>
-                                            <p:strVal val="ppt_x"/>
-                                          </p:val>
-                                        </p:tav>
-                                      </p:tavLst>
-                                    </p:anim>
-                                    <p:anim calcmode="lin" valueType="num">
-                                      <p:cBhvr additive="base">
-                                        <p:cTn id="31" dur="500"/>
-                                        <p:tgtEl>
-                                          <p:spTgt spid="16"/>
-                                        </p:tgtEl>
-                                        <p:attrNameLst>
-                                          <p:attrName>ppt_y</p:attrName>
-                                        </p:attrNameLst>
-                                      </p:cBhvr>
-                                      <p:tavLst>
-                                        <p:tav tm="0">
-                                          <p:val>
-                                            <p:strVal val="ppt_y"/>
-                                          </p:val>
-                                        </p:tav>
-                                        <p:tav tm="100000">
-                                          <p:val>
-                                            <p:strVal val="1+ppt_h/2"/>
-                                          </p:val>
-                                        </p:tav>
-                                      </p:tavLst>
-                                    </p:anim>
-                                    <p:set>
-                                      <p:cBhvr>
-                                        <p:cTn id="32" dur="1" fill="hold">
-                                          <p:stCondLst>
-                                            <p:cond delay="499"/>
-                                          </p:stCondLst>
-                                        </p:cTn>
-                                        <p:tgtEl>
-                                          <p:spTgt spid="16"/>
-                                        </p:tgtEl>
-                                        <p:attrNameLst>
-                                          <p:attrName>style.visibility</p:attrName>
-                                        </p:attrNameLst>
-                                      </p:cBhvr>
-                                      <p:to>
-                                        <p:strVal val="hidden"/>
-                                      </p:to>
-                                    </p:set>
-                                  </p:childTnLst>
-                                </p:cTn>
-                              </p:par>
-                              <p:par>
-                                <p:cTn id="33" presetID="2" presetClass="exit" presetSubtype="4" fill="hold" nodeType="withEffect">
-                                  <p:stCondLst>
-                                    <p:cond delay="0"/>
-                                  </p:stCondLst>
-                                  <p:childTnLst>
-                                    <p:anim calcmode="lin" valueType="num">
-                                      <p:cBhvr additive="base">
-                                        <p:cTn id="34" dur="500"/>
-                                        <p:tgtEl>
-                                          <p:spTgt spid="15"/>
-                                        </p:tgtEl>
-                                        <p:attrNameLst>
-                                          <p:attrName>ppt_x</p:attrName>
-                                        </p:attrNameLst>
-                                      </p:cBhvr>
-                                      <p:tavLst>
-                                        <p:tav tm="0">
-                                          <p:val>
-                                            <p:strVal val="ppt_x"/>
-                                          </p:val>
-                                        </p:tav>
-                                        <p:tav tm="100000">
-                                          <p:val>
-                                            <p:strVal val="ppt_x"/>
-                                          </p:val>
-                                        </p:tav>
-                                      </p:tavLst>
-                                    </p:anim>
-                                    <p:anim calcmode="lin" valueType="num">
-                                      <p:cBhvr additive="base">
-                                        <p:cTn id="35" dur="500"/>
-                                        <p:tgtEl>
-                                          <p:spTgt spid="15"/>
-                                        </p:tgtEl>
-                                        <p:attrNameLst>
-                                          <p:attrName>ppt_y</p:attrName>
-                                        </p:attrNameLst>
-                                      </p:cBhvr>
-                                      <p:tavLst>
-                                        <p:tav tm="0">
-                                          <p:val>
-                                            <p:strVal val="ppt_y"/>
-                                          </p:val>
-                                        </p:tav>
-                                        <p:tav tm="100000">
-                                          <p:val>
-                                            <p:strVal val="1+ppt_h/2"/>
-                                          </p:val>
-                                        </p:tav>
-                                      </p:tavLst>
-                                    </p:anim>
-                                    <p:set>
-                                      <p:cBhvr>
-                                        <p:cTn id="36" dur="1" fill="hold">
-                                          <p:stCondLst>
-                                            <p:cond delay="499"/>
-                                          </p:stCondLst>
-                                        </p:cTn>
-                                        <p:tgtEl>
-                                          <p:spTgt spid="15"/>
-                                        </p:tgtEl>
-                                        <p:attrNameLst>
-                                          <p:attrName>style.visibility</p:attrName>
-                                        </p:attrNameLst>
-                                      </p:cBhvr>
-                                      <p:to>
-                                        <p:strVal val="hidden"/>
-                                      </p:to>
-                                    </p:set>
-                                  </p:childTnLst>
-                                </p:cTn>
-                              </p:par>
-                            </p:childTnLst>
-                          </p:cTn>
-                        </p:par>
-                      </p:childTnLst>
-                    </p:cTn>
-                  </p:par>
-                  <p:par>
-                    <p:cTn id="37" fill="hold">
-                      <p:stCondLst>
-                        <p:cond delay="indefinite"/>
-                      </p:stCondLst>
-                      <p:childTnLst>
-                        <p:par>
-                          <p:cTn id="38" fill="hold">
-                            <p:stCondLst>
-                              <p:cond delay="0"/>
-                            </p:stCondLst>
-                            <p:childTnLst>
-                              <p:par>
-                                <p:cTn id="39" presetID="2" presetClass="exit" presetSubtype="4" fill="hold" nodeType="clickEffect">
-                                  <p:stCondLst>
-                                    <p:cond delay="0"/>
-                                  </p:stCondLst>
-                                  <p:childTnLst>
-                                    <p:anim calcmode="lin" valueType="num">
-                                      <p:cBhvr additive="base">
-                                        <p:cTn id="40" dur="500"/>
-                                        <p:tgtEl>
-                                          <p:spTgt spid="15"/>
-                                        </p:tgtEl>
-                                        <p:attrNameLst>
-                                          <p:attrName>ppt_x</p:attrName>
-                                        </p:attrNameLst>
-                                      </p:cBhvr>
-                                      <p:tavLst>
-                                        <p:tav tm="0">
-                                          <p:val>
-                                            <p:strVal val="ppt_x"/>
-                                          </p:val>
-                                        </p:tav>
-                                        <p:tav tm="100000">
-                                          <p:val>
-                                            <p:strVal val="ppt_x"/>
-                                          </p:val>
-                                        </p:tav>
-                                      </p:tavLst>
-                                    </p:anim>
-                                    <p:anim calcmode="lin" valueType="num">
-                                      <p:cBhvr additive="base">
-                                        <p:cTn id="41" dur="500"/>
-                                        <p:tgtEl>
-                                          <p:spTgt spid="15"/>
-                                        </p:tgtEl>
-                                        <p:attrNameLst>
-                                          <p:attrName>ppt_y</p:attrName>
-                                        </p:attrNameLst>
-                                      </p:cBhvr>
-                                      <p:tavLst>
-                                        <p:tav tm="0">
-                                          <p:val>
-                                            <p:strVal val="ppt_y"/>
-                                          </p:val>
-                                        </p:tav>
-                                        <p:tav tm="100000">
-                                          <p:val>
-                                            <p:strVal val="1+ppt_h/2"/>
-                                          </p:val>
-                                        </p:tav>
-                                      </p:tavLst>
-                                    </p:anim>
-                                    <p:set>
-                                      <p:cBhvr>
-                                        <p:cTn id="42" dur="1" fill="hold">
-                                          <p:stCondLst>
-                                            <p:cond delay="499"/>
-                                          </p:stCondLst>
-                                        </p:cTn>
-                                        <p:tgtEl>
-                                          <p:spTgt spid="15"/>
-                                        </p:tgtEl>
-                                        <p:attrNameLst>
-                                          <p:attrName>style.visibility</p:attrName>
-                                        </p:attrNameLst>
-                                      </p:cBhvr>
-                                      <p:to>
-                                        <p:strVal val="hidden"/>
-                                      </p:to>
-                                    </p:set>
-                                  </p:childTnLst>
-                                </p:cTn>
-                              </p:par>
-                              <p:par>
-                                <p:cTn id="43" presetID="2" presetClass="exit" presetSubtype="4" fill="hold" nodeType="withEffect">
-                                  <p:stCondLst>
-                                    <p:cond delay="0"/>
-                                  </p:stCondLst>
-                                  <p:childTnLst>
-                                    <p:anim calcmode="lin" valueType="num">
-                                      <p:cBhvr additive="base">
-                                        <p:cTn id="44" dur="500"/>
-                                        <p:tgtEl>
-                                          <p:spTgt spid="16"/>
-                                        </p:tgtEl>
-                                        <p:attrNameLst>
-                                          <p:attrName>ppt_x</p:attrName>
-                                        </p:attrNameLst>
-                                      </p:cBhvr>
-                                      <p:tavLst>
-                                        <p:tav tm="0">
-                                          <p:val>
-                                            <p:strVal val="ppt_x"/>
-                                          </p:val>
-                                        </p:tav>
-                                        <p:tav tm="100000">
-                                          <p:val>
-                                            <p:strVal val="ppt_x"/>
-                                          </p:val>
-                                        </p:tav>
-                                      </p:tavLst>
-                                    </p:anim>
-                                    <p:anim calcmode="lin" valueType="num">
-                                      <p:cBhvr additive="base">
-                                        <p:cTn id="45" dur="500"/>
-                                        <p:tgtEl>
-                                          <p:spTgt spid="16"/>
-                                        </p:tgtEl>
-                                        <p:attrNameLst>
-                                          <p:attrName>ppt_y</p:attrName>
-                                        </p:attrNameLst>
-                                      </p:cBhvr>
-                                      <p:tavLst>
-                                        <p:tav tm="0">
-                                          <p:val>
-                                            <p:strVal val="ppt_y"/>
-                                          </p:val>
-                                        </p:tav>
-                                        <p:tav tm="100000">
-                                          <p:val>
-                                            <p:strVal val="1+ppt_h/2"/>
-                                          </p:val>
-                                        </p:tav>
-                                      </p:tavLst>
-                                    </p:anim>
-                                    <p:set>
-                                      <p:cBhvr>
-                                        <p:cTn id="46" dur="1" fill="hold">
-                                          <p:stCondLst>
-                                            <p:cond delay="499"/>
-                                          </p:stCondLst>
-                                        </p:cTn>
-                                        <p:tgtEl>
-                                          <p:spTgt spid="16"/>
-                                        </p:tgtEl>
-                                        <p:attrNameLst>
-                                          <p:attrName>style.visibility</p:attrName>
-                                        </p:attrNameLst>
-                                      </p:cBhvr>
-                                      <p:to>
-                                        <p:strVal val="hidden"/>
-                                      </p:to>
-                                    </p:set>
-                                  </p:childTnLst>
-                                </p:cTn>
-                              </p:par>
-                              <p:par>
-                                <p:cTn id="47" presetID="2" presetClass="exit" presetSubtype="4" fill="hold" nodeType="withEffect">
-                                  <p:stCondLst>
-                                    <p:cond delay="0"/>
-                                  </p:stCondLst>
-                                  <p:childTnLst>
-                                    <p:anim calcmode="lin" valueType="num">
-                                      <p:cBhvr additive="base">
-                                        <p:cTn id="48" dur="500"/>
-                                        <p:tgtEl>
-                                          <p:spTgt spid="18"/>
-                                        </p:tgtEl>
-                                        <p:attrNameLst>
-                                          <p:attrName>ppt_x</p:attrName>
-                                        </p:attrNameLst>
-                                      </p:cBhvr>
-                                      <p:tavLst>
-                                        <p:tav tm="0">
-                                          <p:val>
-                                            <p:strVal val="ppt_x"/>
-                                          </p:val>
-                                        </p:tav>
-                                        <p:tav tm="100000">
-                                          <p:val>
-                                            <p:strVal val="ppt_x"/>
-                                          </p:val>
-                                        </p:tav>
-                                      </p:tavLst>
-                                    </p:anim>
-                                    <p:anim calcmode="lin" valueType="num">
-                                      <p:cBhvr additive="base">
-                                        <p:cTn id="49" dur="500"/>
-                                        <p:tgtEl>
-                                          <p:spTgt spid="18"/>
-                                        </p:tgtEl>
-                                        <p:attrNameLst>
-                                          <p:attrName>ppt_y</p:attrName>
-                                        </p:attrNameLst>
-                                      </p:cBhvr>
-                                      <p:tavLst>
-                                        <p:tav tm="0">
-                                          <p:val>
-                                            <p:strVal val="ppt_y"/>
-                                          </p:val>
-                                        </p:tav>
-                                        <p:tav tm="100000">
-                                          <p:val>
-                                            <p:strVal val="1+ppt_h/2"/>
-                                          </p:val>
-                                        </p:tav>
-                                      </p:tavLst>
-                                    </p:anim>
-                                    <p:set>
-                                      <p:cBhvr>
-                                        <p:cTn id="50" dur="1" fill="hold">
-                                          <p:stCondLst>
-                                            <p:cond delay="499"/>
-                                          </p:stCondLst>
-                                        </p:cTn>
-                                        <p:tgtEl>
-                                          <p:spTgt spid="18"/>
-                                        </p:tgtEl>
-                                        <p:attrNameLst>
-                                          <p:attrName>style.visibility</p:attrName>
-                                        </p:attrNameLst>
-                                      </p:cBhvr>
-                                      <p:to>
-                                        <p:strVal val="hidden"/>
-                                      </p:to>
-                                    </p:set>
-                                  </p:childTnLst>
-                                </p:cTn>
-                              </p:par>
-                            </p:childTnLst>
-                          </p:cTn>
-                        </p:par>
-                      </p:childTnLst>
-                    </p:cTn>
-                  </p:par>
                 </p:childTnLst>
               </p:cTn>
               <p:prevCondLst>
@@ -9247,7 +9252,7 @@
 </p:sld>
 </file>
 
-<file path=ppt/slides/slide13.xml><?xml version="1.0" encoding="utf-8"?>
+<file path=ppt/slides/slide14.xml><?xml version="1.0" encoding="utf-8"?>
 <p:sld xmlns:a="http://schemas.openxmlformats.org/drawingml/2006/main" xmlns:r="http://schemas.openxmlformats.org/officeDocument/2006/relationships" xmlns:p="http://schemas.openxmlformats.org/presentationml/2006/main">
   <p:cSld>
     <p:spTree>
@@ -9606,7 +9611,7 @@
         </p:blipFill>
         <p:spPr>
           <a:xfrm>
-            <a:off x="4829175" y="1060450"/>
+            <a:off x="4839335" y="932815"/>
             <a:ext cx="7038340" cy="5476240"/>
           </a:xfrm>
           <a:prstGeom prst="rect">
@@ -9715,6 +9720,122 @@
             <a:r>
               <a:rPr lang="zh-CN" altLang="en-US"/>
               <a:t>代理类，也称委托类，代理类</a:t>
+            </a:r>
+            <a:endParaRPr lang="zh-CN" altLang="en-US"/>
+          </a:p>
+        </p:txBody>
+      </p:sp>
+      <p:sp>
+        <p:nvSpPr>
+          <p:cNvPr id="7" name="文本框 6"/>
+          <p:cNvSpPr txBox="1"/>
+          <p:nvPr/>
+        </p:nvSpPr>
+        <p:spPr>
+          <a:xfrm>
+            <a:off x="5708015" y="2684780"/>
+            <a:ext cx="1097280" cy="368300"/>
+          </a:xfrm>
+          <a:prstGeom prst="rect">
+            <a:avLst/>
+          </a:prstGeom>
+          <a:noFill/>
+        </p:spPr>
+        <p:txBody>
+          <a:bodyPr wrap="none" rtlCol="0">
+            <a:spAutoFit/>
+          </a:bodyPr>
+          <a:p>
+            <a:r>
+              <a:rPr lang="zh-CN" altLang="en-US"/>
+              <a:t>拍电影的</a:t>
+            </a:r>
+            <a:endParaRPr lang="zh-CN" altLang="en-US"/>
+          </a:p>
+        </p:txBody>
+      </p:sp>
+      <p:sp>
+        <p:nvSpPr>
+          <p:cNvPr id="8" name="文本框 7"/>
+          <p:cNvSpPr txBox="1"/>
+          <p:nvPr/>
+        </p:nvSpPr>
+        <p:spPr>
+          <a:xfrm>
+            <a:off x="6588760" y="4614545"/>
+            <a:ext cx="640080" cy="368300"/>
+          </a:xfrm>
+          <a:prstGeom prst="rect">
+            <a:avLst/>
+          </a:prstGeom>
+          <a:noFill/>
+        </p:spPr>
+        <p:txBody>
+          <a:bodyPr wrap="none" rtlCol="0">
+            <a:spAutoFit/>
+          </a:bodyPr>
+          <a:p>
+            <a:r>
+              <a:rPr lang="zh-CN" altLang="en-US"/>
+              <a:t>演员</a:t>
+            </a:r>
+            <a:endParaRPr lang="zh-CN" altLang="en-US"/>
+          </a:p>
+        </p:txBody>
+      </p:sp>
+      <p:sp>
+        <p:nvSpPr>
+          <p:cNvPr id="9" name="文本框 8"/>
+          <p:cNvSpPr txBox="1"/>
+          <p:nvPr/>
+        </p:nvSpPr>
+        <p:spPr>
+          <a:xfrm>
+            <a:off x="10297160" y="4574540"/>
+            <a:ext cx="868680" cy="368300"/>
+          </a:xfrm>
+          <a:prstGeom prst="rect">
+            <a:avLst/>
+          </a:prstGeom>
+          <a:noFill/>
+        </p:spPr>
+        <p:txBody>
+          <a:bodyPr wrap="none" rtlCol="0">
+            <a:spAutoFit/>
+          </a:bodyPr>
+          <a:p>
+            <a:r>
+              <a:rPr lang="zh-CN" altLang="en-US"/>
+              <a:t>经纪人</a:t>
+            </a:r>
+            <a:endParaRPr lang="zh-CN" altLang="en-US"/>
+          </a:p>
+        </p:txBody>
+      </p:sp>
+      <p:sp>
+        <p:nvSpPr>
+          <p:cNvPr id="10" name="文本框 9"/>
+          <p:cNvSpPr txBox="1"/>
+          <p:nvPr/>
+        </p:nvSpPr>
+        <p:spPr>
+          <a:xfrm>
+            <a:off x="9081135" y="3177540"/>
+            <a:ext cx="2697480" cy="368300"/>
+          </a:xfrm>
+          <a:prstGeom prst="rect">
+            <a:avLst/>
+          </a:prstGeom>
+          <a:noFill/>
+        </p:spPr>
+        <p:txBody>
+          <a:bodyPr wrap="none" rtlCol="0">
+            <a:spAutoFit/>
+          </a:bodyPr>
+          <a:p>
+            <a:r>
+              <a:rPr lang="zh-CN" altLang="en-US"/>
+              <a:t>共同的业务接口：拍电影</a:t>
             </a:r>
             <a:endParaRPr lang="zh-CN" altLang="en-US"/>
           </a:p>
@@ -10070,7 +10191,7 @@
 </p:sld>
 </file>
 
-<file path=ppt/slides/slide14.xml><?xml version="1.0" encoding="utf-8"?>
+<file path=ppt/slides/slide15.xml><?xml version="1.0" encoding="utf-8"?>
 <p:sld xmlns:a="http://schemas.openxmlformats.org/drawingml/2006/main" xmlns:r="http://schemas.openxmlformats.org/officeDocument/2006/relationships" xmlns:p="http://schemas.openxmlformats.org/presentationml/2006/main">
   <p:cSld>
     <p:spTree>
@@ -10856,7 +10977,7 @@
 </p:sld>
 </file>
 
-<file path=ppt/slides/slide15.xml><?xml version="1.0" encoding="utf-8"?>
+<file path=ppt/slides/slide16.xml><?xml version="1.0" encoding="utf-8"?>
 <p:sld xmlns:a="http://schemas.openxmlformats.org/drawingml/2006/main" xmlns:r="http://schemas.openxmlformats.org/officeDocument/2006/relationships" xmlns:p="http://schemas.openxmlformats.org/presentationml/2006/main">
   <p:cSld>
     <p:spTree>
@@ -11767,7 +11888,7 @@
 </p:sld>
 </file>
 
-<file path=ppt/slides/slide16.xml><?xml version="1.0" encoding="utf-8"?>
+<file path=ppt/slides/slide17.xml><?xml version="1.0" encoding="utf-8"?>
 <p:sld xmlns:a="http://schemas.openxmlformats.org/drawingml/2006/main" xmlns:r="http://schemas.openxmlformats.org/officeDocument/2006/relationships" xmlns:p="http://schemas.openxmlformats.org/presentationml/2006/main">
   <p:cSld>
     <p:spTree>
@@ -11843,7 +11964,7 @@
                 <a:latin typeface="微软雅黑" panose="020B0503020204020204" pitchFamily="34" charset="-122"/>
                 <a:ea typeface="微软雅黑" panose="020B0503020204020204" pitchFamily="34" charset="-122"/>
               </a:rPr>
-              <a:t>总结</a:t>
+              <a:t>复盘</a:t>
             </a:r>
             <a:endParaRPr lang="zh-CN" altLang="en-US" sz="2665" dirty="0">
               <a:solidFill>
@@ -12498,7 +12619,7 @@
 </p:sld>
 </file>
 
-<file path=ppt/slides/slide17.xml><?xml version="1.0" encoding="utf-8"?>
+<file path=ppt/slides/slide18.xml><?xml version="1.0" encoding="utf-8"?>
 <p:sld xmlns:a="http://schemas.openxmlformats.org/drawingml/2006/main" xmlns:r="http://schemas.openxmlformats.org/officeDocument/2006/relationships" xmlns:p="http://schemas.openxmlformats.org/presentationml/2006/main">
   <p:cSld>
     <p:spTree>
@@ -13135,9 +13256,9 @@
         <p:grpSpPr>
           <a:xfrm>
             <a:off x="6359105" y="5531207"/>
-            <a:ext cx="4028342" cy="369332"/>
+            <a:ext cx="3796877" cy="368300"/>
             <a:chOff x="4060522" y="5638470"/>
-            <a:chExt cx="4028342" cy="369332"/>
+            <a:chExt cx="3796877" cy="368300"/>
           </a:xfrm>
         </p:grpSpPr>
         <p:grpSp>
@@ -13741,7 +13862,7 @@
           <p:spPr bwMode="auto">
             <a:xfrm>
               <a:off x="4411254" y="5638470"/>
-              <a:ext cx="3677610" cy="369332"/>
+              <a:ext cx="3446145" cy="368300"/>
             </a:xfrm>
             <a:prstGeom prst="rect">
               <a:avLst/>
@@ -13786,20 +13907,21 @@
             </a:bodyPr>
             <a:lstStyle/>
             <a:p>
-              <a:pPr defTabSz="1218565"/>
+              <a:pPr algn="l" defTabSz="1218565"/>
               <a:r>
                 <a:rPr lang="zh-CN" altLang="en-US" smtClean="0">
                   <a:latin typeface="微软雅黑" panose="020B0503020204020204" pitchFamily="34" charset="-122"/>
                   <a:ea typeface="微软雅黑" panose="020B0503020204020204" pitchFamily="34" charset="-122"/>
                 </a:rPr>
-                <a:t>课程咨询依娜老师：</a:t>
+                <a:t>课程咨询</a:t>
               </a:r>
               <a:r>
-                <a:rPr lang="en-US" altLang="zh-CN" smtClean="0">
+                <a:rPr lang="zh-CN" altLang="en-US" smtClean="0">
                   <a:latin typeface="微软雅黑" panose="020B0503020204020204" pitchFamily="34" charset="-122"/>
                   <a:ea typeface="微软雅黑" panose="020B0503020204020204" pitchFamily="34" charset="-122"/>
+                  <a:sym typeface="+mn-ea"/>
                 </a:rPr>
-                <a:t> 2133576719</a:t>
+                <a:t>安生老师：669100976</a:t>
               </a:r>
               <a:endParaRPr lang="en-US" altLang="zh-CN" dirty="0">
                 <a:latin typeface="微软雅黑" panose="020B0503020204020204" pitchFamily="34" charset="-122"/>
@@ -21628,8 +21750,8 @@
         </p:nvSpPr>
         <p:spPr>
           <a:xfrm>
-            <a:off x="9593076" y="4154763"/>
-            <a:ext cx="1213794" cy="707758"/>
+            <a:off x="9495123" y="4154763"/>
+            <a:ext cx="1409700" cy="709295"/>
           </a:xfrm>
           <a:prstGeom prst="rect">
             <a:avLst/>
@@ -21647,6 +21769,21 @@
               </a:lnSpc>
             </a:pPr>
             <a:r>
+              <a:rPr lang="en-US" altLang="zh-CN" sz="1335" dirty="0" smtClean="0">
+                <a:ln w="6350">
+                  <a:noFill/>
+                </a:ln>
+                <a:solidFill>
+                  <a:srgbClr val="FFFFFF">
+                    <a:lumMod val="50000"/>
+                  </a:srgbClr>
+                </a:solidFill>
+                <a:latin typeface="Impact" panose="020B0806030902050204" pitchFamily="34" charset="0"/>
+                <a:ea typeface="微软雅黑" panose="020B0503020204020204" pitchFamily="34" charset="-122"/>
+              </a:rPr>
+              <a:t>Android</a:t>
+            </a:r>
+            <a:r>
               <a:rPr lang="zh-CN" altLang="en-US" sz="1335" dirty="0" smtClean="0">
                 <a:ln w="6350">
                   <a:noFill/>
@@ -21659,7 +21796,7 @@
                 <a:latin typeface="Impact" panose="020B0806030902050204" pitchFamily="34" charset="0"/>
                 <a:ea typeface="微软雅黑" panose="020B0503020204020204" pitchFamily="34" charset="-122"/>
               </a:rPr>
-              <a:t>课程技术总结</a:t>
+              <a:t>进阶之路</a:t>
             </a:r>
             <a:endParaRPr lang="en-US" altLang="zh-CN" sz="1335" dirty="0" smtClean="0">
               <a:ln w="6350">
@@ -21722,8 +21859,8 @@
         </p:nvSpPr>
         <p:spPr>
           <a:xfrm>
-            <a:off x="9697273" y="3562096"/>
-            <a:ext cx="1005403" cy="338554"/>
+            <a:off x="9702135" y="3562096"/>
+            <a:ext cx="995680" cy="337185"/>
           </a:xfrm>
           <a:prstGeom prst="rect">
             <a:avLst/>
@@ -21749,9 +21886,9 @@
                 <a:latin typeface="Impact" panose="020B0806030902050204" pitchFamily="34" charset="0"/>
                 <a:ea typeface="微软雅黑" panose="020B0503020204020204" pitchFamily="34" charset="-122"/>
               </a:rPr>
-              <a:t>课程总结</a:t>
+              <a:t>课程复盘</a:t>
             </a:r>
-            <a:endParaRPr lang="zh-CN" altLang="en-US" sz="1600" b="1" dirty="0">
+            <a:endParaRPr lang="zh-CN" altLang="en-US" sz="1600" b="1" smtClean="0">
               <a:ln w="6350">
                 <a:noFill/>
               </a:ln>
@@ -25525,7 +25662,7 @@
         </p:nvGrpSpPr>
         <p:grpSpPr>
           <a:xfrm>
-            <a:off x="1668016" y="1270480"/>
+            <a:off x="1530221" y="1260320"/>
             <a:ext cx="1365391" cy="3303794"/>
             <a:chOff x="979945" y="2141185"/>
             <a:chExt cx="1068056" cy="2584341"/>
@@ -29922,7 +30059,7 @@
         </p:nvGrpSpPr>
         <p:grpSpPr>
           <a:xfrm>
-            <a:off x="6520342" y="1270480"/>
+            <a:off x="6382547" y="1260320"/>
             <a:ext cx="1365391" cy="3303794"/>
             <a:chOff x="3454801" y="2141185"/>
             <a:chExt cx="1068056" cy="2584341"/>
@@ -34319,7 +34456,7 @@
         </p:nvGrpSpPr>
         <p:grpSpPr>
           <a:xfrm>
-            <a:off x="4094179" y="2529755"/>
+            <a:off x="3956384" y="2519595"/>
             <a:ext cx="1365391" cy="3303794"/>
             <a:chOff x="2217373" y="3309585"/>
             <a:chExt cx="1068056" cy="2584341"/>
@@ -38716,7 +38853,7 @@
         </p:nvGrpSpPr>
         <p:grpSpPr>
           <a:xfrm>
-            <a:off x="8946505" y="2105434"/>
+            <a:off x="8808710" y="2095274"/>
             <a:ext cx="1365391" cy="3303794"/>
             <a:chOff x="4692229" y="3309585"/>
             <a:chExt cx="1068056" cy="2584341"/>
@@ -43611,6 +43748,576 @@
                 <a:latin typeface="微软雅黑" panose="020B0503020204020204" pitchFamily="34" charset="-122"/>
                 <a:ea typeface="微软雅黑" panose="020B0503020204020204" pitchFamily="34" charset="-122"/>
               </a:rPr>
+              <a:t>为何而学？</a:t>
+            </a:r>
+            <a:endParaRPr lang="zh-CN" altLang="en-US" sz="2665" dirty="0" smtClean="0">
+              <a:solidFill>
+                <a:srgbClr val="1D69A3"/>
+              </a:solidFill>
+              <a:latin typeface="微软雅黑" panose="020B0503020204020204" pitchFamily="34" charset="-122"/>
+              <a:ea typeface="微软雅黑" panose="020B0503020204020204" pitchFamily="34" charset="-122"/>
+            </a:endParaRPr>
+          </a:p>
+        </p:txBody>
+      </p:sp>
+      <p:pic>
+        <p:nvPicPr>
+          <p:cNvPr id="3" name="图片 2"/>
+          <p:cNvPicPr>
+            <a:picLocks noChangeAspect="1"/>
+          </p:cNvPicPr>
+          <p:nvPr/>
+        </p:nvPicPr>
+        <p:blipFill>
+          <a:blip r:embed="rId2"/>
+          <a:stretch>
+            <a:fillRect/>
+          </a:stretch>
+        </p:blipFill>
+        <p:spPr>
+          <a:xfrm>
+            <a:off x="7026275" y="1060450"/>
+            <a:ext cx="4761865" cy="4761865"/>
+          </a:xfrm>
+          <a:prstGeom prst="rect">
+            <a:avLst/>
+          </a:prstGeom>
+        </p:spPr>
+      </p:pic>
+      <p:pic>
+        <p:nvPicPr>
+          <p:cNvPr id="5" name="图片 4" descr="35@YP1D60TL91R~X3R7_VFS"/>
+          <p:cNvPicPr>
+            <a:picLocks noChangeAspect="1"/>
+          </p:cNvPicPr>
+          <p:nvPr/>
+        </p:nvPicPr>
+        <p:blipFill>
+          <a:blip r:embed="rId3"/>
+          <a:stretch>
+            <a:fillRect/>
+          </a:stretch>
+        </p:blipFill>
+        <p:spPr>
+          <a:xfrm>
+            <a:off x="2201545" y="2859405"/>
+            <a:ext cx="3504565" cy="1304925"/>
+          </a:xfrm>
+          <a:prstGeom prst="rect">
+            <a:avLst/>
+          </a:prstGeom>
+        </p:spPr>
+      </p:pic>
+    </p:spTree>
+  </p:cSld>
+  <p:clrMapOvr>
+    <a:masterClrMapping/>
+  </p:clrMapOvr>
+  <mc:AlternateContent xmlns:mc="http://schemas.openxmlformats.org/markup-compatibility/2006">
+    <mc:Choice xmlns:p14="http://schemas.microsoft.com/office/powerpoint/2010/main" Requires="p14">
+      <p:transition spd="slow" p14:dur="1500">
+        <p:random/>
+      </p:transition>
+    </mc:Choice>
+    <mc:Fallback>
+      <p:transition spd="slow">
+        <p:random/>
+      </p:transition>
+    </mc:Fallback>
+  </mc:AlternateContent>
+  <p:timing>
+    <p:tnLst>
+      <p:par>
+        <p:cTn id="1" dur="indefinite" restart="never" nodeType="tmRoot">
+          <p:childTnLst>
+            <p:seq concurrent="1" nextAc="seek">
+              <p:cTn id="2" dur="indefinite" nodeType="mainSeq">
+                <p:childTnLst>
+                  <p:par>
+                    <p:cTn id="3" fill="hold">
+                      <p:stCondLst>
+                        <p:cond delay="indefinite"/>
+                        <p:cond evt="onBegin" delay="0">
+                          <p:tn val="2"/>
+                        </p:cond>
+                      </p:stCondLst>
+                      <p:childTnLst>
+                        <p:par>
+                          <p:cTn id="4" fill="hold">
+                            <p:stCondLst>
+                              <p:cond delay="0"/>
+                            </p:stCondLst>
+                            <p:childTnLst>
+                              <p:par>
+                                <p:cTn id="5" presetID="0" presetClass="entr" presetSubtype="0" fill="hold" nodeType="withEffect">
+                                  <p:stCondLst>
+                                    <p:cond delay="0"/>
+                                  </p:stCondLst>
+                                  <p:iterate type="lt">
+                                    <p:tmPct val="10000"/>
+                                  </p:iterate>
+                                  <p:childTnLst>
+                                    <p:set>
+                                      <p:cBhvr>
+                                        <p:cTn id="6" dur="1" fill="hold">
+                                          <p:stCondLst>
+                                            <p:cond delay="0"/>
+                                          </p:stCondLst>
+                                        </p:cTn>
+                                        <p:tgtEl>
+                                          <p:spTgt spid="2"/>
+                                        </p:tgtEl>
+                                        <p:attrNameLst>
+                                          <p:attrName>style.visibility</p:attrName>
+                                        </p:attrNameLst>
+                                      </p:cBhvr>
+                                      <p:to>
+                                        <p:strVal val="visible"/>
+                                      </p:to>
+                                    </p:set>
+                                    <p:anim to="" calcmode="lin" valueType="num">
+                                      <p:cBhvr>
+                                        <p:cTn id="7" dur="700" fill="hold">
+                                          <p:stCondLst>
+                                            <p:cond delay="0"/>
+                                          </p:stCondLst>
+                                        </p:cTn>
+                                        <p:tgtEl>
+                                          <p:spTgt spid="2"/>
+                                        </p:tgtEl>
+                                        <p:attrNameLst>
+                                          <p:attrName>ppt_x</p:attrName>
+                                        </p:attrNameLst>
+                                      </p:cBhvr>
+                                      <p:tavLst>
+                                        <p:tav tm="0" fmla="#ppt_x-(-#ppt_w/2*cos(ppt_r/180*pi))*((1.5-1.5*$)^2-(1.5-1.5*$)^3)">
+                                          <p:val>
+                                            <p:fltVal val="0"/>
+                                          </p:val>
+                                        </p:tav>
+                                        <p:tav tm="100000">
+                                          <p:val>
+                                            <p:fltVal val="1"/>
+                                          </p:val>
+                                        </p:tav>
+                                      </p:tavLst>
+                                    </p:anim>
+                                    <p:anim to="" calcmode="lin" valueType="num">
+                                      <p:cBhvr>
+                                        <p:cTn id="8" dur="700" fill="hold">
+                                          <p:stCondLst>
+                                            <p:cond delay="0"/>
+                                          </p:stCondLst>
+                                        </p:cTn>
+                                        <p:tgtEl>
+                                          <p:spTgt spid="2"/>
+                                        </p:tgtEl>
+                                        <p:attrNameLst>
+                                          <p:attrName>ppt_y</p:attrName>
+                                        </p:attrNameLst>
+                                      </p:cBhvr>
+                                      <p:tavLst>
+                                        <p:tav tm="0" fmla="#ppt_y+(-#ppt_h/2*cos(ppt_r/180*pi))*((1.5-1.5*$)^2-(1.5-1.5*$)^3)">
+                                          <p:val>
+                                            <p:fltVal val="0"/>
+                                          </p:val>
+                                        </p:tav>
+                                        <p:tav tm="100000">
+                                          <p:val>
+                                            <p:fltVal val="1"/>
+                                          </p:val>
+                                        </p:tav>
+                                      </p:tavLst>
+                                    </p:anim>
+                                    <p:anim to="" calcmode="lin" valueType="num">
+                                      <p:cBhvr>
+                                        <p:cTn id="9" dur="700" fill="hold">
+                                          <p:stCondLst>
+                                            <p:cond delay="0"/>
+                                          </p:stCondLst>
+                                        </p:cTn>
+                                        <p:tgtEl>
+                                          <p:spTgt spid="2"/>
+                                        </p:tgtEl>
+                                        <p:attrNameLst>
+                                          <p:attrName>ppt_h</p:attrName>
+                                        </p:attrNameLst>
+                                      </p:cBhvr>
+                                      <p:tavLst>
+                                        <p:tav tm="0" fmla="#ppt_h-(-#ppt_h)*((1.5-1.5*$)^2-(1.5-1.5*$)^3)">
+                                          <p:val>
+                                            <p:fltVal val="0"/>
+                                          </p:val>
+                                        </p:tav>
+                                        <p:tav tm="100000">
+                                          <p:val>
+                                            <p:fltVal val="1"/>
+                                          </p:val>
+                                        </p:tav>
+                                      </p:tavLst>
+                                    </p:anim>
+                                    <p:anim to="" calcmode="lin" valueType="num">
+                                      <p:cBhvr>
+                                        <p:cTn id="10" dur="700" fill="hold">
+                                          <p:stCondLst>
+                                            <p:cond delay="0"/>
+                                          </p:stCondLst>
+                                        </p:cTn>
+                                        <p:tgtEl>
+                                          <p:spTgt spid="2"/>
+                                        </p:tgtEl>
+                                        <p:attrNameLst>
+                                          <p:attrName>ppt_w</p:attrName>
+                                        </p:attrNameLst>
+                                      </p:cBhvr>
+                                      <p:tavLst>
+                                        <p:tav tm="0" fmla="#ppt_w-(-#ppt_w)*((1.5-1.5*$)^2-(1.5-1.5*$)^3)">
+                                          <p:val>
+                                            <p:fltVal val="0"/>
+                                          </p:val>
+                                        </p:tav>
+                                        <p:tav tm="100000">
+                                          <p:val>
+                                            <p:fltVal val="1"/>
+                                          </p:val>
+                                        </p:tav>
+                                      </p:tavLst>
+                                    </p:anim>
+                                  </p:childTnLst>
+                                </p:cTn>
+                              </p:par>
+                            </p:childTnLst>
+                          </p:cTn>
+                        </p:par>
+                      </p:childTnLst>
+                    </p:cTn>
+                  </p:par>
+                </p:childTnLst>
+              </p:cTn>
+              <p:prevCondLst>
+                <p:cond evt="onPrev" delay="0">
+                  <p:tgtEl>
+                    <p:sldTgt/>
+                  </p:tgtEl>
+                </p:cond>
+              </p:prevCondLst>
+              <p:nextCondLst>
+                <p:cond evt="onNext" delay="0">
+                  <p:tgtEl>
+                    <p:sldTgt/>
+                  </p:tgtEl>
+                </p:cond>
+              </p:nextCondLst>
+            </p:seq>
+          </p:childTnLst>
+        </p:cTn>
+      </p:par>
+    </p:tnLst>
+  </p:timing>
+</p:sld>
+</file>
+
+<file path=ppt/slides/slide7.xml><?xml version="1.0" encoding="utf-8"?>
+<p:sld xmlns:a="http://schemas.openxmlformats.org/drawingml/2006/main" xmlns:r="http://schemas.openxmlformats.org/officeDocument/2006/relationships" xmlns:p="http://schemas.openxmlformats.org/presentationml/2006/main">
+  <p:cSld>
+    <p:spTree>
+      <p:nvGrpSpPr>
+        <p:cNvPr id="1" name=""/>
+        <p:cNvGrpSpPr/>
+        <p:nvPr/>
+      </p:nvGrpSpPr>
+      <p:grpSpPr>
+        <a:xfrm>
+          <a:off x="0" y="0"/>
+          <a:ext cx="0" cy="0"/>
+          <a:chOff x="0" y="0"/>
+          <a:chExt cx="0" cy="0"/>
+        </a:xfrm>
+      </p:grpSpPr>
+      <p:grpSp>
+        <p:nvGrpSpPr>
+          <p:cNvPr id="2" name="PA_组合 47"/>
+          <p:cNvGrpSpPr/>
+          <p:nvPr>
+            <p:custDataLst>
+              <p:tags r:id="rId1"/>
+            </p:custDataLst>
+          </p:nvPr>
+        </p:nvGrpSpPr>
+        <p:grpSpPr>
+          <a:xfrm>
+            <a:off x="554877" y="932724"/>
+            <a:ext cx="1199456" cy="74689"/>
+            <a:chOff x="0" y="2842590"/>
+            <a:chExt cx="7054752" cy="89199"/>
+          </a:xfrm>
+        </p:grpSpPr>
+        <p:sp>
+          <p:nvSpPr>
+            <p:cNvPr id="49" name="矩形 48"/>
+            <p:cNvSpPr/>
+            <p:nvPr/>
+          </p:nvSpPr>
+          <p:spPr>
+            <a:xfrm>
+              <a:off x="0" y="2842590"/>
+              <a:ext cx="1763688" cy="89199"/>
+            </a:xfrm>
+            <a:prstGeom prst="rect">
+              <a:avLst/>
+            </a:prstGeom>
+            <a:solidFill>
+              <a:schemeClr val="accent1"/>
+            </a:solidFill>
+            <a:ln>
+              <a:noFill/>
+            </a:ln>
+          </p:spPr>
+          <p:style>
+            <a:lnRef idx="2">
+              <a:schemeClr val="accent1">
+                <a:shade val="50000"/>
+              </a:schemeClr>
+            </a:lnRef>
+            <a:fillRef idx="1">
+              <a:schemeClr val="accent1"/>
+            </a:fillRef>
+            <a:effectRef idx="0">
+              <a:schemeClr val="accent1"/>
+            </a:effectRef>
+            <a:fontRef idx="minor">
+              <a:schemeClr val="lt1"/>
+            </a:fontRef>
+          </p:style>
+          <p:txBody>
+            <a:bodyPr rtlCol="0" anchor="ctr"/>
+            <a:lstStyle/>
+            <a:p>
+              <a:pPr algn="ctr" defTabSz="1218565"/>
+              <a:endParaRPr lang="zh-CN" altLang="en-US" sz="2400">
+                <a:solidFill>
+                  <a:srgbClr val="FFFFFF"/>
+                </a:solidFill>
+                <a:latin typeface="Calibri" panose="020F0502020204030204"/>
+                <a:ea typeface="宋体" panose="02010600030101010101" pitchFamily="2" charset="-122"/>
+              </a:endParaRPr>
+            </a:p>
+          </p:txBody>
+        </p:sp>
+        <p:sp>
+          <p:nvSpPr>
+            <p:cNvPr id="50" name="矩形 49"/>
+            <p:cNvSpPr/>
+            <p:nvPr/>
+          </p:nvSpPr>
+          <p:spPr>
+            <a:xfrm>
+              <a:off x="1763688" y="2842590"/>
+              <a:ext cx="1763688" cy="89199"/>
+            </a:xfrm>
+            <a:prstGeom prst="rect">
+              <a:avLst/>
+            </a:prstGeom>
+            <a:solidFill>
+              <a:schemeClr val="accent2"/>
+            </a:solidFill>
+            <a:ln>
+              <a:noFill/>
+            </a:ln>
+          </p:spPr>
+          <p:style>
+            <a:lnRef idx="2">
+              <a:schemeClr val="accent1">
+                <a:shade val="50000"/>
+              </a:schemeClr>
+            </a:lnRef>
+            <a:fillRef idx="1">
+              <a:schemeClr val="accent1"/>
+            </a:fillRef>
+            <a:effectRef idx="0">
+              <a:schemeClr val="accent1"/>
+            </a:effectRef>
+            <a:fontRef idx="minor">
+              <a:schemeClr val="lt1"/>
+            </a:fontRef>
+          </p:style>
+          <p:txBody>
+            <a:bodyPr rtlCol="0" anchor="ctr"/>
+            <a:lstStyle/>
+            <a:p>
+              <a:pPr algn="ctr" defTabSz="1218565"/>
+              <a:endParaRPr lang="zh-CN" altLang="en-US" sz="2400">
+                <a:solidFill>
+                  <a:srgbClr val="FFFFFF"/>
+                </a:solidFill>
+                <a:latin typeface="Calibri" panose="020F0502020204030204"/>
+                <a:ea typeface="宋体" panose="02010600030101010101" pitchFamily="2" charset="-122"/>
+              </a:endParaRPr>
+            </a:p>
+          </p:txBody>
+        </p:sp>
+        <p:sp>
+          <p:nvSpPr>
+            <p:cNvPr id="51" name="矩形 50"/>
+            <p:cNvSpPr/>
+            <p:nvPr/>
+          </p:nvSpPr>
+          <p:spPr>
+            <a:xfrm>
+              <a:off x="3527376" y="2842590"/>
+              <a:ext cx="1763688" cy="89199"/>
+            </a:xfrm>
+            <a:prstGeom prst="rect">
+              <a:avLst/>
+            </a:prstGeom>
+            <a:solidFill>
+              <a:schemeClr val="accent3"/>
+            </a:solidFill>
+            <a:ln>
+              <a:noFill/>
+            </a:ln>
+          </p:spPr>
+          <p:style>
+            <a:lnRef idx="2">
+              <a:schemeClr val="accent1">
+                <a:shade val="50000"/>
+              </a:schemeClr>
+            </a:lnRef>
+            <a:fillRef idx="1">
+              <a:schemeClr val="accent1"/>
+            </a:fillRef>
+            <a:effectRef idx="0">
+              <a:schemeClr val="accent1"/>
+            </a:effectRef>
+            <a:fontRef idx="minor">
+              <a:schemeClr val="lt1"/>
+            </a:fontRef>
+          </p:style>
+          <p:txBody>
+            <a:bodyPr rtlCol="0" anchor="ctr"/>
+            <a:lstStyle/>
+            <a:p>
+              <a:pPr algn="ctr" defTabSz="1218565"/>
+              <a:endParaRPr lang="zh-CN" altLang="en-US" sz="2400">
+                <a:solidFill>
+                  <a:srgbClr val="FFFFFF"/>
+                </a:solidFill>
+                <a:latin typeface="Calibri" panose="020F0502020204030204"/>
+                <a:ea typeface="宋体" panose="02010600030101010101" pitchFamily="2" charset="-122"/>
+              </a:endParaRPr>
+            </a:p>
+          </p:txBody>
+        </p:sp>
+        <p:sp>
+          <p:nvSpPr>
+            <p:cNvPr id="52" name="矩形 51"/>
+            <p:cNvSpPr/>
+            <p:nvPr/>
+          </p:nvSpPr>
+          <p:spPr>
+            <a:xfrm>
+              <a:off x="5291064" y="2842590"/>
+              <a:ext cx="1763688" cy="89199"/>
+            </a:xfrm>
+            <a:prstGeom prst="rect">
+              <a:avLst/>
+            </a:prstGeom>
+            <a:solidFill>
+              <a:schemeClr val="accent4"/>
+            </a:solidFill>
+            <a:ln>
+              <a:noFill/>
+            </a:ln>
+          </p:spPr>
+          <p:style>
+            <a:lnRef idx="2">
+              <a:schemeClr val="accent1">
+                <a:shade val="50000"/>
+              </a:schemeClr>
+            </a:lnRef>
+            <a:fillRef idx="1">
+              <a:schemeClr val="accent1"/>
+            </a:fillRef>
+            <a:effectRef idx="0">
+              <a:schemeClr val="accent1"/>
+            </a:effectRef>
+            <a:fontRef idx="minor">
+              <a:schemeClr val="lt1"/>
+            </a:fontRef>
+          </p:style>
+          <p:txBody>
+            <a:bodyPr rtlCol="0" anchor="ctr"/>
+            <a:lstStyle/>
+            <a:p>
+              <a:pPr algn="ctr" defTabSz="1218565"/>
+              <a:endParaRPr lang="zh-CN" altLang="en-US" sz="2400">
+                <a:solidFill>
+                  <a:srgbClr val="FFFFFF"/>
+                </a:solidFill>
+                <a:latin typeface="Calibri" panose="020F0502020204030204"/>
+                <a:ea typeface="宋体" panose="02010600030101010101" pitchFamily="2" charset="-122"/>
+              </a:endParaRPr>
+            </a:p>
+          </p:txBody>
+        </p:sp>
+      </p:grpSp>
+      <p:cxnSp>
+        <p:nvCxnSpPr>
+          <p:cNvPr id="17" name="直接连接符 2"/>
+          <p:cNvCxnSpPr>
+            <a:cxnSpLocks noChangeShapeType="1"/>
+          </p:cNvCxnSpPr>
+          <p:nvPr/>
+        </p:nvCxnSpPr>
+        <p:spPr bwMode="auto">
+          <a:xfrm flipV="1">
+            <a:off x="-44609" y="1060219"/>
+            <a:ext cx="12188825" cy="50801"/>
+          </a:xfrm>
+          <a:prstGeom prst="line">
+            <a:avLst/>
+          </a:prstGeom>
+          <a:noFill/>
+          <a:ln w="9525" algn="ctr">
+            <a:solidFill>
+              <a:srgbClr val="00B0F0">
+                <a:alpha val="34117"/>
+              </a:srgbClr>
+            </a:solidFill>
+            <a:prstDash val="dash"/>
+            <a:round/>
+          </a:ln>
+        </p:spPr>
+      </p:cxnSp>
+      <p:sp>
+        <p:nvSpPr>
+          <p:cNvPr id="4" name="文本框 3"/>
+          <p:cNvSpPr txBox="1"/>
+          <p:nvPr/>
+        </p:nvSpPr>
+        <p:spPr>
+          <a:xfrm>
+            <a:off x="554990" y="377190"/>
+            <a:ext cx="2540000" cy="501650"/>
+          </a:xfrm>
+          <a:prstGeom prst="rect">
+            <a:avLst/>
+          </a:prstGeom>
+          <a:noFill/>
+        </p:spPr>
+        <p:txBody>
+          <a:bodyPr wrap="square" rtlCol="0" anchor="t">
+            <a:spAutoFit/>
+          </a:bodyPr>
+          <a:p>
+            <a:r>
+              <a:rPr lang="zh-CN" altLang="en-US" sz="2665" dirty="0" smtClean="0">
+                <a:solidFill>
+                  <a:srgbClr val="1D69A3"/>
+                </a:solidFill>
+                <a:latin typeface="微软雅黑" panose="020B0503020204020204" pitchFamily="34" charset="-122"/>
+                <a:ea typeface="微软雅黑" panose="020B0503020204020204" pitchFamily="34" charset="-122"/>
+              </a:rPr>
               <a:t>什么是注解？</a:t>
             </a:r>
             <a:endParaRPr lang="zh-CN" altLang="en-US" sz="2665" dirty="0" smtClean="0">
@@ -43890,7 +44597,7 @@
 </p:sld>
 </file>
 
-<file path=ppt/slides/slide7.xml><?xml version="1.0" encoding="utf-8"?>
+<file path=ppt/slides/slide8.xml><?xml version="1.0" encoding="utf-8"?>
 <p:sld xmlns:a="http://schemas.openxmlformats.org/drawingml/2006/main" xmlns:r="http://schemas.openxmlformats.org/officeDocument/2006/relationships" xmlns:p="http://schemas.openxmlformats.org/presentationml/2006/main">
   <p:cSld>
     <p:spTree>
@@ -44455,7 +45162,7 @@
 </p:sld>
 </file>
 
-<file path=ppt/slides/slide8.xml><?xml version="1.0" encoding="utf-8"?>
+<file path=ppt/slides/slide9.xml><?xml version="1.0" encoding="utf-8"?>
 <p:sld xmlns:a="http://schemas.openxmlformats.org/drawingml/2006/main" xmlns:r="http://schemas.openxmlformats.org/officeDocument/2006/relationships" xmlns:p="http://schemas.openxmlformats.org/presentationml/2006/main">
   <p:cSld>
     <p:spTree>
@@ -44846,652 +45553,6 @@
                 </a:solidFill>
               </a:rPr>
               <a:t>@Inherited – 是否允许子类继承该注解</a:t>
-            </a:r>
-            <a:endParaRPr lang="zh-CN" altLang="en-US">
-              <a:solidFill>
-                <a:srgbClr val="FF0000"/>
-              </a:solidFill>
-            </a:endParaRPr>
-          </a:p>
-        </p:txBody>
-      </p:sp>
-    </p:spTree>
-  </p:cSld>
-  <p:clrMapOvr>
-    <a:masterClrMapping/>
-  </p:clrMapOvr>
-  <mc:AlternateContent xmlns:mc="http://schemas.openxmlformats.org/markup-compatibility/2006">
-    <mc:Choice xmlns:p14="http://schemas.microsoft.com/office/powerpoint/2010/main" Requires="p14">
-      <p:transition spd="slow" p14:dur="1500">
-        <p:random/>
-      </p:transition>
-    </mc:Choice>
-    <mc:Fallback>
-      <p:transition spd="slow">
-        <p:random/>
-      </p:transition>
-    </mc:Fallback>
-  </mc:AlternateContent>
-  <p:timing>
-    <p:tnLst>
-      <p:par>
-        <p:cTn id="1" dur="indefinite" restart="never" nodeType="tmRoot">
-          <p:childTnLst>
-            <p:seq concurrent="1" nextAc="seek">
-              <p:cTn id="2" dur="indefinite" nodeType="mainSeq">
-                <p:childTnLst>
-                  <p:par>
-                    <p:cTn id="3" fill="hold">
-                      <p:stCondLst>
-                        <p:cond delay="indefinite"/>
-                        <p:cond evt="onBegin" delay="0">
-                          <p:tn val="2"/>
-                        </p:cond>
-                      </p:stCondLst>
-                      <p:childTnLst>
-                        <p:par>
-                          <p:cTn id="4" fill="hold">
-                            <p:stCondLst>
-                              <p:cond delay="0"/>
-                            </p:stCondLst>
-                            <p:childTnLst>
-                              <p:par>
-                                <p:cTn id="5" presetID="0" presetClass="entr" presetSubtype="0" fill="hold" nodeType="withEffect">
-                                  <p:stCondLst>
-                                    <p:cond delay="0"/>
-                                  </p:stCondLst>
-                                  <p:iterate type="lt">
-                                    <p:tmPct val="10000"/>
-                                  </p:iterate>
-                                  <p:childTnLst>
-                                    <p:set>
-                                      <p:cBhvr>
-                                        <p:cTn id="6" dur="1" fill="hold">
-                                          <p:stCondLst>
-                                            <p:cond delay="0"/>
-                                          </p:stCondLst>
-                                        </p:cTn>
-                                        <p:tgtEl>
-                                          <p:spTgt spid="2"/>
-                                        </p:tgtEl>
-                                        <p:attrNameLst>
-                                          <p:attrName>style.visibility</p:attrName>
-                                        </p:attrNameLst>
-                                      </p:cBhvr>
-                                      <p:to>
-                                        <p:strVal val="visible"/>
-                                      </p:to>
-                                    </p:set>
-                                    <p:anim to="" calcmode="lin" valueType="num">
-                                      <p:cBhvr>
-                                        <p:cTn id="7" dur="700" fill="hold">
-                                          <p:stCondLst>
-                                            <p:cond delay="0"/>
-                                          </p:stCondLst>
-                                        </p:cTn>
-                                        <p:tgtEl>
-                                          <p:spTgt spid="2"/>
-                                        </p:tgtEl>
-                                        <p:attrNameLst>
-                                          <p:attrName>ppt_x</p:attrName>
-                                        </p:attrNameLst>
-                                      </p:cBhvr>
-                                      <p:tavLst>
-                                        <p:tav tm="0" fmla="#ppt_x-(-#ppt_w/2*cos(ppt_r/180*pi))*((1.5-1.5*$)^2-(1.5-1.5*$)^3)">
-                                          <p:val>
-                                            <p:fltVal val="0"/>
-                                          </p:val>
-                                        </p:tav>
-                                        <p:tav tm="100000">
-                                          <p:val>
-                                            <p:fltVal val="1"/>
-                                          </p:val>
-                                        </p:tav>
-                                      </p:tavLst>
-                                    </p:anim>
-                                    <p:anim to="" calcmode="lin" valueType="num">
-                                      <p:cBhvr>
-                                        <p:cTn id="8" dur="700" fill="hold">
-                                          <p:stCondLst>
-                                            <p:cond delay="0"/>
-                                          </p:stCondLst>
-                                        </p:cTn>
-                                        <p:tgtEl>
-                                          <p:spTgt spid="2"/>
-                                        </p:tgtEl>
-                                        <p:attrNameLst>
-                                          <p:attrName>ppt_y</p:attrName>
-                                        </p:attrNameLst>
-                                      </p:cBhvr>
-                                      <p:tavLst>
-                                        <p:tav tm="0" fmla="#ppt_y+(-#ppt_h/2*cos(ppt_r/180*pi))*((1.5-1.5*$)^2-(1.5-1.5*$)^3)">
-                                          <p:val>
-                                            <p:fltVal val="0"/>
-                                          </p:val>
-                                        </p:tav>
-                                        <p:tav tm="100000">
-                                          <p:val>
-                                            <p:fltVal val="1"/>
-                                          </p:val>
-                                        </p:tav>
-                                      </p:tavLst>
-                                    </p:anim>
-                                    <p:anim to="" calcmode="lin" valueType="num">
-                                      <p:cBhvr>
-                                        <p:cTn id="9" dur="700" fill="hold">
-                                          <p:stCondLst>
-                                            <p:cond delay="0"/>
-                                          </p:stCondLst>
-                                        </p:cTn>
-                                        <p:tgtEl>
-                                          <p:spTgt spid="2"/>
-                                        </p:tgtEl>
-                                        <p:attrNameLst>
-                                          <p:attrName>ppt_h</p:attrName>
-                                        </p:attrNameLst>
-                                      </p:cBhvr>
-                                      <p:tavLst>
-                                        <p:tav tm="0" fmla="#ppt_h-(-#ppt_h)*((1.5-1.5*$)^2-(1.5-1.5*$)^3)">
-                                          <p:val>
-                                            <p:fltVal val="0"/>
-                                          </p:val>
-                                        </p:tav>
-                                        <p:tav tm="100000">
-                                          <p:val>
-                                            <p:fltVal val="1"/>
-                                          </p:val>
-                                        </p:tav>
-                                      </p:tavLst>
-                                    </p:anim>
-                                    <p:anim to="" calcmode="lin" valueType="num">
-                                      <p:cBhvr>
-                                        <p:cTn id="10" dur="700" fill="hold">
-                                          <p:stCondLst>
-                                            <p:cond delay="0"/>
-                                          </p:stCondLst>
-                                        </p:cTn>
-                                        <p:tgtEl>
-                                          <p:spTgt spid="2"/>
-                                        </p:tgtEl>
-                                        <p:attrNameLst>
-                                          <p:attrName>ppt_w</p:attrName>
-                                        </p:attrNameLst>
-                                      </p:cBhvr>
-                                      <p:tavLst>
-                                        <p:tav tm="0" fmla="#ppt_w-(-#ppt_w)*((1.5-1.5*$)^2-(1.5-1.5*$)^3)">
-                                          <p:val>
-                                            <p:fltVal val="0"/>
-                                          </p:val>
-                                        </p:tav>
-                                        <p:tav tm="100000">
-                                          <p:val>
-                                            <p:fltVal val="1"/>
-                                          </p:val>
-                                        </p:tav>
-                                      </p:tavLst>
-                                    </p:anim>
-                                  </p:childTnLst>
-                                </p:cTn>
-                              </p:par>
-                            </p:childTnLst>
-                          </p:cTn>
-                        </p:par>
-                      </p:childTnLst>
-                    </p:cTn>
-                  </p:par>
-                </p:childTnLst>
-              </p:cTn>
-              <p:prevCondLst>
-                <p:cond evt="onPrev" delay="0">
-                  <p:tgtEl>
-                    <p:sldTgt/>
-                  </p:tgtEl>
-                </p:cond>
-              </p:prevCondLst>
-              <p:nextCondLst>
-                <p:cond evt="onNext" delay="0">
-                  <p:tgtEl>
-                    <p:sldTgt/>
-                  </p:tgtEl>
-                </p:cond>
-              </p:nextCondLst>
-            </p:seq>
-          </p:childTnLst>
-        </p:cTn>
-      </p:par>
-    </p:tnLst>
-  </p:timing>
-</p:sld>
-</file>
-
-<file path=ppt/slides/slide9.xml><?xml version="1.0" encoding="utf-8"?>
-<p:sld xmlns:a="http://schemas.openxmlformats.org/drawingml/2006/main" xmlns:r="http://schemas.openxmlformats.org/officeDocument/2006/relationships" xmlns:p="http://schemas.openxmlformats.org/presentationml/2006/main">
-  <p:cSld>
-    <p:spTree>
-      <p:nvGrpSpPr>
-        <p:cNvPr id="1" name=""/>
-        <p:cNvGrpSpPr/>
-        <p:nvPr/>
-      </p:nvGrpSpPr>
-      <p:grpSpPr>
-        <a:xfrm>
-          <a:off x="0" y="0"/>
-          <a:ext cx="0" cy="0"/>
-          <a:chOff x="0" y="0"/>
-          <a:chExt cx="0" cy="0"/>
-        </a:xfrm>
-      </p:grpSpPr>
-      <p:grpSp>
-        <p:nvGrpSpPr>
-          <p:cNvPr id="2" name="PA_组合 47"/>
-          <p:cNvGrpSpPr/>
-          <p:nvPr>
-            <p:custDataLst>
-              <p:tags r:id="rId1"/>
-            </p:custDataLst>
-          </p:nvPr>
-        </p:nvGrpSpPr>
-        <p:grpSpPr>
-          <a:xfrm>
-            <a:off x="554877" y="932724"/>
-            <a:ext cx="1199456" cy="74689"/>
-            <a:chOff x="0" y="2842590"/>
-            <a:chExt cx="7054752" cy="89199"/>
-          </a:xfrm>
-        </p:grpSpPr>
-        <p:sp>
-          <p:nvSpPr>
-            <p:cNvPr id="49" name="矩形 48"/>
-            <p:cNvSpPr/>
-            <p:nvPr/>
-          </p:nvSpPr>
-          <p:spPr>
-            <a:xfrm>
-              <a:off x="0" y="2842590"/>
-              <a:ext cx="1763688" cy="89199"/>
-            </a:xfrm>
-            <a:prstGeom prst="rect">
-              <a:avLst/>
-            </a:prstGeom>
-            <a:solidFill>
-              <a:schemeClr val="accent1"/>
-            </a:solidFill>
-            <a:ln>
-              <a:noFill/>
-            </a:ln>
-          </p:spPr>
-          <p:style>
-            <a:lnRef idx="2">
-              <a:schemeClr val="accent1">
-                <a:shade val="50000"/>
-              </a:schemeClr>
-            </a:lnRef>
-            <a:fillRef idx="1">
-              <a:schemeClr val="accent1"/>
-            </a:fillRef>
-            <a:effectRef idx="0">
-              <a:schemeClr val="accent1"/>
-            </a:effectRef>
-            <a:fontRef idx="minor">
-              <a:schemeClr val="lt1"/>
-            </a:fontRef>
-          </p:style>
-          <p:txBody>
-            <a:bodyPr rtlCol="0" anchor="ctr"/>
-            <a:lstStyle/>
-            <a:p>
-              <a:pPr algn="ctr" defTabSz="1218565"/>
-              <a:endParaRPr lang="zh-CN" altLang="en-US" sz="2400">
-                <a:solidFill>
-                  <a:srgbClr val="FFFFFF"/>
-                </a:solidFill>
-                <a:latin typeface="Calibri" panose="020F0502020204030204"/>
-                <a:ea typeface="宋体" panose="02010600030101010101" pitchFamily="2" charset="-122"/>
-              </a:endParaRPr>
-            </a:p>
-          </p:txBody>
-        </p:sp>
-        <p:sp>
-          <p:nvSpPr>
-            <p:cNvPr id="50" name="矩形 49"/>
-            <p:cNvSpPr/>
-            <p:nvPr/>
-          </p:nvSpPr>
-          <p:spPr>
-            <a:xfrm>
-              <a:off x="1763688" y="2842590"/>
-              <a:ext cx="1763688" cy="89199"/>
-            </a:xfrm>
-            <a:prstGeom prst="rect">
-              <a:avLst/>
-            </a:prstGeom>
-            <a:solidFill>
-              <a:schemeClr val="accent2"/>
-            </a:solidFill>
-            <a:ln>
-              <a:noFill/>
-            </a:ln>
-          </p:spPr>
-          <p:style>
-            <a:lnRef idx="2">
-              <a:schemeClr val="accent1">
-                <a:shade val="50000"/>
-              </a:schemeClr>
-            </a:lnRef>
-            <a:fillRef idx="1">
-              <a:schemeClr val="accent1"/>
-            </a:fillRef>
-            <a:effectRef idx="0">
-              <a:schemeClr val="accent1"/>
-            </a:effectRef>
-            <a:fontRef idx="minor">
-              <a:schemeClr val="lt1"/>
-            </a:fontRef>
-          </p:style>
-          <p:txBody>
-            <a:bodyPr rtlCol="0" anchor="ctr"/>
-            <a:lstStyle/>
-            <a:p>
-              <a:pPr algn="ctr" defTabSz="1218565"/>
-              <a:endParaRPr lang="zh-CN" altLang="en-US" sz="2400">
-                <a:solidFill>
-                  <a:srgbClr val="FFFFFF"/>
-                </a:solidFill>
-                <a:latin typeface="Calibri" panose="020F0502020204030204"/>
-                <a:ea typeface="宋体" panose="02010600030101010101" pitchFamily="2" charset="-122"/>
-              </a:endParaRPr>
-            </a:p>
-          </p:txBody>
-        </p:sp>
-        <p:sp>
-          <p:nvSpPr>
-            <p:cNvPr id="51" name="矩形 50"/>
-            <p:cNvSpPr/>
-            <p:nvPr/>
-          </p:nvSpPr>
-          <p:spPr>
-            <a:xfrm>
-              <a:off x="3527376" y="2842590"/>
-              <a:ext cx="1763688" cy="89199"/>
-            </a:xfrm>
-            <a:prstGeom prst="rect">
-              <a:avLst/>
-            </a:prstGeom>
-            <a:solidFill>
-              <a:schemeClr val="accent3"/>
-            </a:solidFill>
-            <a:ln>
-              <a:noFill/>
-            </a:ln>
-          </p:spPr>
-          <p:style>
-            <a:lnRef idx="2">
-              <a:schemeClr val="accent1">
-                <a:shade val="50000"/>
-              </a:schemeClr>
-            </a:lnRef>
-            <a:fillRef idx="1">
-              <a:schemeClr val="accent1"/>
-            </a:fillRef>
-            <a:effectRef idx="0">
-              <a:schemeClr val="accent1"/>
-            </a:effectRef>
-            <a:fontRef idx="minor">
-              <a:schemeClr val="lt1"/>
-            </a:fontRef>
-          </p:style>
-          <p:txBody>
-            <a:bodyPr rtlCol="0" anchor="ctr"/>
-            <a:lstStyle/>
-            <a:p>
-              <a:pPr algn="ctr" defTabSz="1218565"/>
-              <a:endParaRPr lang="zh-CN" altLang="en-US" sz="2400">
-                <a:solidFill>
-                  <a:srgbClr val="FFFFFF"/>
-                </a:solidFill>
-                <a:latin typeface="Calibri" panose="020F0502020204030204"/>
-                <a:ea typeface="宋体" panose="02010600030101010101" pitchFamily="2" charset="-122"/>
-              </a:endParaRPr>
-            </a:p>
-          </p:txBody>
-        </p:sp>
-        <p:sp>
-          <p:nvSpPr>
-            <p:cNvPr id="52" name="矩形 51"/>
-            <p:cNvSpPr/>
-            <p:nvPr/>
-          </p:nvSpPr>
-          <p:spPr>
-            <a:xfrm>
-              <a:off x="5291064" y="2842590"/>
-              <a:ext cx="1763688" cy="89199"/>
-            </a:xfrm>
-            <a:prstGeom prst="rect">
-              <a:avLst/>
-            </a:prstGeom>
-            <a:solidFill>
-              <a:schemeClr val="accent4"/>
-            </a:solidFill>
-            <a:ln>
-              <a:noFill/>
-            </a:ln>
-          </p:spPr>
-          <p:style>
-            <a:lnRef idx="2">
-              <a:schemeClr val="accent1">
-                <a:shade val="50000"/>
-              </a:schemeClr>
-            </a:lnRef>
-            <a:fillRef idx="1">
-              <a:schemeClr val="accent1"/>
-            </a:fillRef>
-            <a:effectRef idx="0">
-              <a:schemeClr val="accent1"/>
-            </a:effectRef>
-            <a:fontRef idx="minor">
-              <a:schemeClr val="lt1"/>
-            </a:fontRef>
-          </p:style>
-          <p:txBody>
-            <a:bodyPr rtlCol="0" anchor="ctr"/>
-            <a:lstStyle/>
-            <a:p>
-              <a:pPr algn="ctr" defTabSz="1218565"/>
-              <a:endParaRPr lang="zh-CN" altLang="en-US" sz="2400">
-                <a:solidFill>
-                  <a:srgbClr val="FFFFFF"/>
-                </a:solidFill>
-                <a:latin typeface="Calibri" panose="020F0502020204030204"/>
-                <a:ea typeface="宋体" panose="02010600030101010101" pitchFamily="2" charset="-122"/>
-              </a:endParaRPr>
-            </a:p>
-          </p:txBody>
-        </p:sp>
-      </p:grpSp>
-      <p:cxnSp>
-        <p:nvCxnSpPr>
-          <p:cNvPr id="17" name="直接连接符 2"/>
-          <p:cNvCxnSpPr>
-            <a:cxnSpLocks noChangeShapeType="1"/>
-          </p:cNvCxnSpPr>
-          <p:nvPr/>
-        </p:nvCxnSpPr>
-        <p:spPr bwMode="auto">
-          <a:xfrm flipV="1">
-            <a:off x="-44609" y="1060219"/>
-            <a:ext cx="12188825" cy="50801"/>
-          </a:xfrm>
-          <a:prstGeom prst="line">
-            <a:avLst/>
-          </a:prstGeom>
-          <a:noFill/>
-          <a:ln w="9525" algn="ctr">
-            <a:solidFill>
-              <a:srgbClr val="00B0F0">
-                <a:alpha val="34117"/>
-              </a:srgbClr>
-            </a:solidFill>
-            <a:prstDash val="dash"/>
-            <a:round/>
-          </a:ln>
-        </p:spPr>
-      </p:cxnSp>
-      <p:sp>
-        <p:nvSpPr>
-          <p:cNvPr id="4" name="文本框 3"/>
-          <p:cNvSpPr txBox="1"/>
-          <p:nvPr/>
-        </p:nvSpPr>
-        <p:spPr>
-          <a:xfrm>
-            <a:off x="554990" y="377190"/>
-            <a:ext cx="2540000" cy="501650"/>
-          </a:xfrm>
-          <a:prstGeom prst="rect">
-            <a:avLst/>
-          </a:prstGeom>
-          <a:noFill/>
-        </p:spPr>
-        <p:txBody>
-          <a:bodyPr wrap="square" rtlCol="0" anchor="t">
-            <a:spAutoFit/>
-          </a:bodyPr>
-          <a:p>
-            <a:r>
-              <a:rPr lang="en-US" altLang="zh-CN" sz="2665" dirty="0" smtClean="0">
-                <a:solidFill>
-                  <a:srgbClr val="1D69A3"/>
-                </a:solidFill>
-                <a:latin typeface="微软雅黑" panose="020B0503020204020204" pitchFamily="34" charset="-122"/>
-                <a:ea typeface="微软雅黑" panose="020B0503020204020204" pitchFamily="34" charset="-122"/>
-              </a:rPr>
-              <a:t>@Retention</a:t>
-            </a:r>
-            <a:endParaRPr lang="zh-CN" altLang="en-US" sz="2665" dirty="0" smtClean="0">
-              <a:solidFill>
-                <a:srgbClr val="1D69A3"/>
-              </a:solidFill>
-              <a:latin typeface="微软雅黑" panose="020B0503020204020204" pitchFamily="34" charset="-122"/>
-              <a:ea typeface="微软雅黑" panose="020B0503020204020204" pitchFamily="34" charset="-122"/>
-            </a:endParaRPr>
-          </a:p>
-        </p:txBody>
-      </p:sp>
-      <p:sp>
-        <p:nvSpPr>
-          <p:cNvPr id="5" name="文本框 4"/>
-          <p:cNvSpPr txBox="1"/>
-          <p:nvPr/>
-        </p:nvSpPr>
-        <p:spPr>
-          <a:xfrm>
-            <a:off x="749300" y="1430655"/>
-            <a:ext cx="2540000" cy="368300"/>
-          </a:xfrm>
-          <a:prstGeom prst="rect">
-            <a:avLst/>
-          </a:prstGeom>
-          <a:noFill/>
-        </p:spPr>
-        <p:txBody>
-          <a:bodyPr wrap="square" rtlCol="0" anchor="t">
-            <a:spAutoFit/>
-          </a:bodyPr>
-          <a:p>
-            <a:r>
-              <a:rPr lang="zh-CN" altLang="en-US"/>
-              <a:t>定义该注解的生命周期</a:t>
-            </a:r>
-            <a:endParaRPr lang="zh-CN" altLang="en-US"/>
-          </a:p>
-        </p:txBody>
-      </p:sp>
-      <p:sp>
-        <p:nvSpPr>
-          <p:cNvPr id="7" name="文本框 6"/>
-          <p:cNvSpPr txBox="1"/>
-          <p:nvPr/>
-        </p:nvSpPr>
-        <p:spPr>
-          <a:xfrm>
-            <a:off x="1754505" y="2418080"/>
-            <a:ext cx="3310255" cy="368300"/>
-          </a:xfrm>
-          <a:prstGeom prst="rect">
-            <a:avLst/>
-          </a:prstGeom>
-          <a:noFill/>
-        </p:spPr>
-        <p:txBody>
-          <a:bodyPr wrap="square" rtlCol="0" anchor="t">
-            <a:spAutoFit/>
-          </a:bodyPr>
-          <a:p>
-            <a:r>
-              <a:rPr lang="zh-CN" altLang="en-US"/>
-              <a:t>RetentionPolicy.SOURCE</a:t>
-            </a:r>
-            <a:endParaRPr lang="zh-CN" altLang="en-US"/>
-          </a:p>
-        </p:txBody>
-      </p:sp>
-      <p:sp>
-        <p:nvSpPr>
-          <p:cNvPr id="8" name="文本框 7"/>
-          <p:cNvSpPr txBox="1"/>
-          <p:nvPr/>
-        </p:nvSpPr>
-        <p:spPr>
-          <a:xfrm>
-            <a:off x="1754505" y="2933700"/>
-            <a:ext cx="2540000" cy="368300"/>
-          </a:xfrm>
-          <a:prstGeom prst="rect">
-            <a:avLst/>
-          </a:prstGeom>
-          <a:noFill/>
-        </p:spPr>
-        <p:txBody>
-          <a:bodyPr wrap="square" rtlCol="0" anchor="t">
-            <a:spAutoFit/>
-          </a:bodyPr>
-          <a:p>
-            <a:r>
-              <a:rPr lang="zh-CN" altLang="en-US"/>
-              <a:t>RetentionPolicy.CLASS</a:t>
-            </a:r>
-            <a:endParaRPr lang="zh-CN" altLang="en-US"/>
-          </a:p>
-        </p:txBody>
-      </p:sp>
-      <p:sp>
-        <p:nvSpPr>
-          <p:cNvPr id="9" name="文本框 8"/>
-          <p:cNvSpPr txBox="1"/>
-          <p:nvPr/>
-        </p:nvSpPr>
-        <p:spPr>
-          <a:xfrm>
-            <a:off x="1754505" y="1902460"/>
-            <a:ext cx="3330575" cy="368300"/>
-          </a:xfrm>
-          <a:prstGeom prst="rect">
-            <a:avLst/>
-          </a:prstGeom>
-          <a:noFill/>
-        </p:spPr>
-        <p:txBody>
-          <a:bodyPr wrap="square" rtlCol="0" anchor="t">
-            <a:spAutoFit/>
-          </a:bodyPr>
-          <a:p>
-            <a:r>
-              <a:rPr lang="zh-CN" altLang="en-US">
-                <a:solidFill>
-                  <a:srgbClr val="FF0000"/>
-                </a:solidFill>
-              </a:rPr>
-              <a:t>RetentionPolicy.RUNTIME</a:t>
             </a:r>
             <a:endParaRPr lang="zh-CN" altLang="en-US">
               <a:solidFill>
@@ -46191,6 +46252,12 @@
 </file>
 
 <file path=ppt/tags/tag60.xml><?xml version="1.0" encoding="utf-8"?>
+<p:tagLst xmlns:p="http://schemas.openxmlformats.org/presentationml/2006/main">
+  <p:tag name="PA" val="v4.1.3"/>
+</p:tagLst>
+</file>
+
+<file path=ppt/tags/tag61.xml><?xml version="1.0" encoding="utf-8"?>
 <p:tagLst xmlns:p="http://schemas.openxmlformats.org/presentationml/2006/main">
   <p:tag name="PA" val="v4.1.3"/>
 </p:tagLst>

--- a/pre/注解.pptx
+++ b/pre/注解.pptx
@@ -6083,7 +6083,7 @@
                 </a:solidFill>
                 <a:effectLst/>
               </a:rPr>
-              <a:t>20:05</a:t>
+              <a:t>15:05</a:t>
             </a:r>
             <a:r>
               <a:rPr lang="zh-CN" altLang="en-US">
@@ -45512,7 +45512,7 @@
         </p:nvSpPr>
         <p:spPr>
           <a:xfrm>
-            <a:off x="554990" y="2305050"/>
+            <a:off x="554990" y="2295525"/>
             <a:ext cx="5889625" cy="1198880"/>
           </a:xfrm>
           <a:prstGeom prst="rect">

--- a/pre/注解.pptx
+++ b/pre/注解.pptx
@@ -1560,7 +1560,7 @@
         <p:spPr bwMode="auto">
           <a:xfrm>
             <a:off x="8286750" y="6411205"/>
-            <a:ext cx="3832225" cy="369888"/>
+            <a:ext cx="3832225" cy="368300"/>
           </a:xfrm>
           <a:prstGeom prst="rect">
             <a:avLst/>
@@ -1716,9 +1716,9 @@
             </a:r>
             <a:r>
               <a:rPr lang="en-US" altLang="zh-CN" smtClean="0"/>
-              <a:t>684504192</a:t>
+              <a:t>921908169</a:t>
             </a:r>
-            <a:endParaRPr lang="zh-CN" altLang="en-US" smtClean="0"/>
+            <a:endParaRPr lang="en-US" altLang="zh-CN" smtClean="0"/>
           </a:p>
         </p:txBody>
       </p:sp>

--- a/pre/注解.pptx
+++ b/pre/注解.pptx
@@ -6083,7 +6083,7 @@
                 </a:solidFill>
                 <a:effectLst/>
               </a:rPr>
-              <a:t>15:05</a:t>
+              <a:t>20:05</a:t>
             </a:r>
             <a:r>
               <a:rPr lang="zh-CN" altLang="en-US">
@@ -9611,7 +9611,7 @@
         </p:blipFill>
         <p:spPr>
           <a:xfrm>
-            <a:off x="4839335" y="932815"/>
+            <a:off x="4820920" y="904875"/>
             <a:ext cx="7038340" cy="5476240"/>
           </a:xfrm>
           <a:prstGeom prst="rect">
@@ -9733,7 +9733,7 @@
         </p:nvSpPr>
         <p:spPr>
           <a:xfrm>
-            <a:off x="5708015" y="2684780"/>
+            <a:off x="5716905" y="2684780"/>
             <a:ext cx="1097280" cy="368300"/>
           </a:xfrm>
           <a:prstGeom prst="rect">
@@ -10619,7 +10619,7 @@
         </p:blipFill>
         <p:spPr>
           <a:xfrm>
-            <a:off x="7649210" y="664210"/>
+            <a:off x="5920740" y="571500"/>
             <a:ext cx="3514090" cy="6647815"/>
           </a:xfrm>
           <a:prstGeom prst="rect">

--- a/pre/注解.pptx
+++ b/pre/注解.pptx
@@ -8,6 +8,9 @@
   <p:notesMasterIdLst>
     <p:notesMasterId r:id="rId7"/>
   </p:notesMasterIdLst>
+  <p:handoutMasterIdLst>
+    <p:handoutMasterId r:id="rId23"/>
+  </p:handoutMasterIdLst>
   <p:sldIdLst>
     <p:sldId id="381" r:id="rId4"/>
     <p:sldId id="561" r:id="rId5"/>
@@ -30,6 +33,9 @@
   </p:sldIdLst>
   <p:sldSz cx="12192000" cy="6858000"/>
   <p:notesSz cx="6858000" cy="9144000"/>
+  <p:custDataLst>
+    <p:tags r:id="rId27"/>
+  </p:custDataLst>
   <p:defaultTextStyle>
     <a:defPPr>
       <a:defRPr lang="zh-CN"/>
@@ -126,6 +132,164 @@
     </a:lvl9pPr>
   </p:defaultTextStyle>
 </p:presentation>
+</file>
+
+<file path=ppt/handoutMasters/handoutMaster1.xml><?xml version="1.0" encoding="utf-8"?>
+<p:handoutMaster xmlns:a="http://schemas.openxmlformats.org/drawingml/2006/main" xmlns:r="http://schemas.openxmlformats.org/officeDocument/2006/relationships" xmlns:p="http://schemas.openxmlformats.org/presentationml/2006/main">
+  <p:cSld>
+    <p:bg>
+      <p:bgRef idx="1001">
+        <a:schemeClr val="bg1"/>
+      </p:bgRef>
+    </p:bg>
+    <p:spTree>
+      <p:nvGrpSpPr>
+        <p:cNvPr id="1" name=""/>
+        <p:cNvGrpSpPr/>
+        <p:nvPr/>
+      </p:nvGrpSpPr>
+      <p:grpSpPr>
+        <a:xfrm>
+          <a:off x="0" y="0"/>
+          <a:ext cx="0" cy="0"/>
+          <a:chOff x="0" y="0"/>
+          <a:chExt cx="0" cy="0"/>
+        </a:xfrm>
+      </p:grpSpPr>
+      <p:sp>
+        <p:nvSpPr>
+          <p:cNvPr id="2" name="页眉占位符 1"/>
+          <p:cNvSpPr>
+            <a:spLocks noGrp="1"/>
+          </p:cNvSpPr>
+          <p:nvPr>
+            <p:ph type="hdr" sz="quarter"/>
+          </p:nvPr>
+        </p:nvSpPr>
+        <p:spPr>
+          <a:xfrm>
+            <a:off x="0" y="0"/>
+            <a:ext cx="2971800" cy="458788"/>
+          </a:xfrm>
+          <a:prstGeom prst="rect">
+            <a:avLst/>
+          </a:prstGeom>
+        </p:spPr>
+        <p:txBody>
+          <a:bodyPr vert="horz" lIns="91440" tIns="45720" rIns="91440" bIns="45720" rtlCol="0"/>
+          <a:lstStyle>
+            <a:lvl1pPr algn="l">
+              <a:defRPr sz="1200"/>
+            </a:lvl1pPr>
+          </a:lstStyle>
+          <a:p>
+            <a:endParaRPr lang="zh-CN" altLang="en-US"/>
+          </a:p>
+        </p:txBody>
+      </p:sp>
+      <p:sp>
+        <p:nvSpPr>
+          <p:cNvPr id="3" name="日期占位符 2"/>
+          <p:cNvSpPr>
+            <a:spLocks noGrp="1"/>
+          </p:cNvSpPr>
+          <p:nvPr>
+            <p:ph type="dt" sz="quarter" idx="1"/>
+          </p:nvPr>
+        </p:nvSpPr>
+        <p:spPr>
+          <a:xfrm>
+            <a:off x="3884613" y="0"/>
+            <a:ext cx="2971800" cy="458788"/>
+          </a:xfrm>
+          <a:prstGeom prst="rect">
+            <a:avLst/>
+          </a:prstGeom>
+        </p:spPr>
+        <p:txBody>
+          <a:bodyPr vert="horz" lIns="91440" tIns="45720" rIns="91440" bIns="45720" rtlCol="0"/>
+          <a:lstStyle>
+            <a:lvl1pPr algn="r">
+              <a:defRPr sz="1200"/>
+            </a:lvl1pPr>
+          </a:lstStyle>
+          <a:p>
+            <a:fld id="{0F9B84EA-7D68-4D60-9CB1-D50884785D1C}" type="datetimeFigureOut">
+              <a:rPr lang="zh-CN" altLang="en-US" smtClean="0"/>
+            </a:fld>
+            <a:endParaRPr lang="zh-CN" altLang="en-US"/>
+          </a:p>
+        </p:txBody>
+      </p:sp>
+      <p:sp>
+        <p:nvSpPr>
+          <p:cNvPr id="4" name="页脚占位符 3"/>
+          <p:cNvSpPr>
+            <a:spLocks noGrp="1"/>
+          </p:cNvSpPr>
+          <p:nvPr>
+            <p:ph type="ftr" sz="quarter" idx="2"/>
+          </p:nvPr>
+        </p:nvSpPr>
+        <p:spPr>
+          <a:xfrm>
+            <a:off x="0" y="8685213"/>
+            <a:ext cx="2971800" cy="458787"/>
+          </a:xfrm>
+          <a:prstGeom prst="rect">
+            <a:avLst/>
+          </a:prstGeom>
+        </p:spPr>
+        <p:txBody>
+          <a:bodyPr vert="horz" lIns="91440" tIns="45720" rIns="91440" bIns="45720" rtlCol="0" anchor="b"/>
+          <a:lstStyle>
+            <a:lvl1pPr algn="l">
+              <a:defRPr sz="1200"/>
+            </a:lvl1pPr>
+          </a:lstStyle>
+          <a:p>
+            <a:endParaRPr lang="zh-CN" altLang="en-US"/>
+          </a:p>
+        </p:txBody>
+      </p:sp>
+      <p:sp>
+        <p:nvSpPr>
+          <p:cNvPr id="5" name="灯片编号占位符 4"/>
+          <p:cNvSpPr>
+            <a:spLocks noGrp="1"/>
+          </p:cNvSpPr>
+          <p:nvPr>
+            <p:ph type="sldNum" sz="quarter" idx="3"/>
+          </p:nvPr>
+        </p:nvSpPr>
+        <p:spPr>
+          <a:xfrm>
+            <a:off x="3884613" y="8685213"/>
+            <a:ext cx="2971800" cy="458787"/>
+          </a:xfrm>
+          <a:prstGeom prst="rect">
+            <a:avLst/>
+          </a:prstGeom>
+        </p:spPr>
+        <p:txBody>
+          <a:bodyPr vert="horz" lIns="91440" tIns="45720" rIns="91440" bIns="45720" rtlCol="0" anchor="b"/>
+          <a:lstStyle>
+            <a:lvl1pPr algn="r">
+              <a:defRPr sz="1200"/>
+            </a:lvl1pPr>
+          </a:lstStyle>
+          <a:p>
+            <a:fld id="{8D4E0FC9-F1F8-4FAE-9988-3BA365CFD46F}" type="slidenum">
+              <a:rPr lang="zh-CN" altLang="en-US" smtClean="0"/>
+            </a:fld>
+            <a:endParaRPr lang="zh-CN" altLang="en-US"/>
+          </a:p>
+        </p:txBody>
+      </p:sp>
+    </p:spTree>
+  </p:cSld>
+  <p:clrMap bg1="lt1" tx1="dk1" bg2="lt2" tx2="dk2" accent1="accent1" accent2="accent2" accent3="accent3" accent4="accent4" accent5="accent5" accent6="accent6" hlink="hlink" folHlink="folHlink"/>
+</p:handoutMaster>
 </file>
 
 <file path=ppt/notesMasters/notesMaster1.xml><?xml version="1.0" encoding="utf-8"?>
@@ -1371,354 +1535,6 @@
           <a:p>
             <a:pPr algn="ctr"/>
             <a:endParaRPr lang="zh-CN" altLang="en-US"/>
-          </a:p>
-        </p:txBody>
-      </p:sp>
-      <p:sp>
-        <p:nvSpPr>
-          <p:cNvPr id="10" name="TextBox 9"/>
-          <p:cNvSpPr txBox="1">
-            <a:spLocks noChangeArrowheads="1"/>
-          </p:cNvSpPr>
-          <p:nvPr userDrawn="1"/>
-        </p:nvSpPr>
-        <p:spPr bwMode="auto">
-          <a:xfrm>
-            <a:off x="8313" y="6395244"/>
-            <a:ext cx="3832225" cy="369332"/>
-          </a:xfrm>
-          <a:prstGeom prst="rect">
-            <a:avLst/>
-          </a:prstGeom>
-          <a:noFill/>
-          <a:ln>
-            <a:noFill/>
-          </a:ln>
-          <a:extLst>
-            <a:ext uri="{909E8E84-426E-40DD-AFC4-6F175D3DCCD1}">
-              <a14:hiddenFill xmlns:a14="http://schemas.microsoft.com/office/drawing/2010/main">
-                <a:solidFill>
-                  <a:srgbClr val="FFFFFF"/>
-                </a:solidFill>
-              </a14:hiddenFill>
-            </a:ext>
-            <a:ext uri="{91240B29-F687-4F45-9708-019B960494DF}">
-              <a14:hiddenLine xmlns:a14="http://schemas.microsoft.com/office/drawing/2010/main" w="9525">
-                <a:solidFill>
-                  <a:srgbClr val="000000"/>
-                </a:solidFill>
-                <a:miter lim="800000"/>
-                <a:headEnd/>
-                <a:tailEnd/>
-              </a14:hiddenLine>
-            </a:ext>
-          </a:extLst>
-        </p:spPr>
-        <p:txBody>
-          <a:bodyPr>
-            <a:spAutoFit/>
-          </a:bodyPr>
-          <a:lstStyle>
-            <a:lvl1pPr>
-              <a:defRPr>
-                <a:solidFill>
-                  <a:schemeClr val="tx1"/>
-                </a:solidFill>
-                <a:latin typeface="Arial" panose="020B0604020202020204" pitchFamily="34" charset="0"/>
-                <a:ea typeface="宋体" panose="02010600030101010101" pitchFamily="2" charset="-122"/>
-              </a:defRPr>
-            </a:lvl1pPr>
-            <a:lvl2pPr marL="742950" indent="-285750">
-              <a:defRPr>
-                <a:solidFill>
-                  <a:schemeClr val="tx1"/>
-                </a:solidFill>
-                <a:latin typeface="Arial" panose="020B0604020202020204" pitchFamily="34" charset="0"/>
-                <a:ea typeface="宋体" panose="02010600030101010101" pitchFamily="2" charset="-122"/>
-              </a:defRPr>
-            </a:lvl2pPr>
-            <a:lvl3pPr marL="1143000" indent="-228600">
-              <a:defRPr>
-                <a:solidFill>
-                  <a:schemeClr val="tx1"/>
-                </a:solidFill>
-                <a:latin typeface="Arial" panose="020B0604020202020204" pitchFamily="34" charset="0"/>
-                <a:ea typeface="宋体" panose="02010600030101010101" pitchFamily="2" charset="-122"/>
-              </a:defRPr>
-            </a:lvl3pPr>
-            <a:lvl4pPr marL="1600200" indent="-228600">
-              <a:defRPr>
-                <a:solidFill>
-                  <a:schemeClr val="tx1"/>
-                </a:solidFill>
-                <a:latin typeface="Arial" panose="020B0604020202020204" pitchFamily="34" charset="0"/>
-                <a:ea typeface="宋体" panose="02010600030101010101" pitchFamily="2" charset="-122"/>
-              </a:defRPr>
-            </a:lvl4pPr>
-            <a:lvl5pPr marL="2057400" indent="-228600">
-              <a:defRPr>
-                <a:solidFill>
-                  <a:schemeClr val="tx1"/>
-                </a:solidFill>
-                <a:latin typeface="Arial" panose="020B0604020202020204" pitchFamily="34" charset="0"/>
-                <a:ea typeface="宋体" panose="02010600030101010101" pitchFamily="2" charset="-122"/>
-              </a:defRPr>
-            </a:lvl5pPr>
-            <a:lvl6pPr marL="2514600" indent="-228600" eaLnBrk="0" fontAlgn="base" hangingPunct="0">
-              <a:spcBef>
-                <a:spcPct val="0"/>
-              </a:spcBef>
-              <a:spcAft>
-                <a:spcPct val="0"/>
-              </a:spcAft>
-              <a:defRPr>
-                <a:solidFill>
-                  <a:schemeClr val="tx1"/>
-                </a:solidFill>
-                <a:latin typeface="Arial" panose="020B0604020202020204" pitchFamily="34" charset="0"/>
-                <a:ea typeface="宋体" panose="02010600030101010101" pitchFamily="2" charset="-122"/>
-              </a:defRPr>
-            </a:lvl6pPr>
-            <a:lvl7pPr marL="2971800" indent="-228600" eaLnBrk="0" fontAlgn="base" hangingPunct="0">
-              <a:spcBef>
-                <a:spcPct val="0"/>
-              </a:spcBef>
-              <a:spcAft>
-                <a:spcPct val="0"/>
-              </a:spcAft>
-              <a:defRPr>
-                <a:solidFill>
-                  <a:schemeClr val="tx1"/>
-                </a:solidFill>
-                <a:latin typeface="Arial" panose="020B0604020202020204" pitchFamily="34" charset="0"/>
-                <a:ea typeface="宋体" panose="02010600030101010101" pitchFamily="2" charset="-122"/>
-              </a:defRPr>
-            </a:lvl7pPr>
-            <a:lvl8pPr marL="3429000" indent="-228600" eaLnBrk="0" fontAlgn="base" hangingPunct="0">
-              <a:spcBef>
-                <a:spcPct val="0"/>
-              </a:spcBef>
-              <a:spcAft>
-                <a:spcPct val="0"/>
-              </a:spcAft>
-              <a:defRPr>
-                <a:solidFill>
-                  <a:schemeClr val="tx1"/>
-                </a:solidFill>
-                <a:latin typeface="Arial" panose="020B0604020202020204" pitchFamily="34" charset="0"/>
-                <a:ea typeface="宋体" panose="02010600030101010101" pitchFamily="2" charset="-122"/>
-              </a:defRPr>
-            </a:lvl8pPr>
-            <a:lvl9pPr marL="3886200" indent="-228600" eaLnBrk="0" fontAlgn="base" hangingPunct="0">
-              <a:spcBef>
-                <a:spcPct val="0"/>
-              </a:spcBef>
-              <a:spcAft>
-                <a:spcPct val="0"/>
-              </a:spcAft>
-              <a:defRPr>
-                <a:solidFill>
-                  <a:schemeClr val="tx1"/>
-                </a:solidFill>
-                <a:latin typeface="Arial" panose="020B0604020202020204" pitchFamily="34" charset="0"/>
-                <a:ea typeface="宋体" panose="02010600030101010101" pitchFamily="2" charset="-122"/>
-              </a:defRPr>
-            </a:lvl9pPr>
-          </a:lstStyle>
-          <a:p>
-            <a:pPr>
-              <a:defRPr/>
-            </a:pPr>
-            <a:r>
-              <a:rPr lang="zh-CN" altLang="en-US" b="1" smtClean="0">
-                <a:solidFill>
-                  <a:srgbClr val="7030A0"/>
-                </a:solidFill>
-                <a:latin typeface="微软雅黑" panose="020B0503020204020204" pitchFamily="34" charset="-122"/>
-                <a:ea typeface="微软雅黑" panose="020B0503020204020204" pitchFamily="34" charset="-122"/>
-              </a:rPr>
-              <a:t>享 学 课 堂：</a:t>
-            </a:r>
-            <a:r>
-              <a:rPr lang="en-US" altLang="zh-CN" smtClean="0">
-                <a:hlinkClick r:id="rId3"/>
-              </a:rPr>
-              <a:t>http://enjoy.ke.qq.com/</a:t>
-            </a:r>
-            <a:endParaRPr lang="zh-CN" altLang="en-US" smtClean="0"/>
-          </a:p>
-        </p:txBody>
-      </p:sp>
-      <p:sp>
-        <p:nvSpPr>
-          <p:cNvPr id="11" name="TextBox 10"/>
-          <p:cNvSpPr txBox="1">
-            <a:spLocks noChangeArrowheads="1"/>
-          </p:cNvSpPr>
-          <p:nvPr userDrawn="1"/>
-        </p:nvSpPr>
-        <p:spPr bwMode="auto">
-          <a:xfrm>
-            <a:off x="8286750" y="6411205"/>
-            <a:ext cx="3832225" cy="368300"/>
-          </a:xfrm>
-          <a:prstGeom prst="rect">
-            <a:avLst/>
-          </a:prstGeom>
-          <a:noFill/>
-          <a:ln>
-            <a:noFill/>
-          </a:ln>
-          <a:extLst>
-            <a:ext uri="{909E8E84-426E-40DD-AFC4-6F175D3DCCD1}">
-              <a14:hiddenFill xmlns:a14="http://schemas.microsoft.com/office/drawing/2010/main">
-                <a:solidFill>
-                  <a:srgbClr val="FFFFFF"/>
-                </a:solidFill>
-              </a14:hiddenFill>
-            </a:ext>
-            <a:ext uri="{91240B29-F687-4F45-9708-019B960494DF}">
-              <a14:hiddenLine xmlns:a14="http://schemas.microsoft.com/office/drawing/2010/main" w="9525">
-                <a:solidFill>
-                  <a:srgbClr val="000000"/>
-                </a:solidFill>
-                <a:miter lim="800000"/>
-                <a:headEnd/>
-                <a:tailEnd/>
-              </a14:hiddenLine>
-            </a:ext>
-          </a:extLst>
-        </p:spPr>
-        <p:txBody>
-          <a:bodyPr>
-            <a:spAutoFit/>
-          </a:bodyPr>
-          <a:lstStyle>
-            <a:lvl1pPr>
-              <a:defRPr>
-                <a:solidFill>
-                  <a:schemeClr val="tx1"/>
-                </a:solidFill>
-                <a:latin typeface="Arial" panose="020B0604020202020204" pitchFamily="34" charset="0"/>
-                <a:ea typeface="宋体" panose="02010600030101010101" pitchFamily="2" charset="-122"/>
-              </a:defRPr>
-            </a:lvl1pPr>
-            <a:lvl2pPr marL="742950" indent="-285750">
-              <a:defRPr>
-                <a:solidFill>
-                  <a:schemeClr val="tx1"/>
-                </a:solidFill>
-                <a:latin typeface="Arial" panose="020B0604020202020204" pitchFamily="34" charset="0"/>
-                <a:ea typeface="宋体" panose="02010600030101010101" pitchFamily="2" charset="-122"/>
-              </a:defRPr>
-            </a:lvl2pPr>
-            <a:lvl3pPr marL="1143000" indent="-228600">
-              <a:defRPr>
-                <a:solidFill>
-                  <a:schemeClr val="tx1"/>
-                </a:solidFill>
-                <a:latin typeface="Arial" panose="020B0604020202020204" pitchFamily="34" charset="0"/>
-                <a:ea typeface="宋体" panose="02010600030101010101" pitchFamily="2" charset="-122"/>
-              </a:defRPr>
-            </a:lvl3pPr>
-            <a:lvl4pPr marL="1600200" indent="-228600">
-              <a:defRPr>
-                <a:solidFill>
-                  <a:schemeClr val="tx1"/>
-                </a:solidFill>
-                <a:latin typeface="Arial" panose="020B0604020202020204" pitchFamily="34" charset="0"/>
-                <a:ea typeface="宋体" panose="02010600030101010101" pitchFamily="2" charset="-122"/>
-              </a:defRPr>
-            </a:lvl4pPr>
-            <a:lvl5pPr marL="2057400" indent="-228600">
-              <a:defRPr>
-                <a:solidFill>
-                  <a:schemeClr val="tx1"/>
-                </a:solidFill>
-                <a:latin typeface="Arial" panose="020B0604020202020204" pitchFamily="34" charset="0"/>
-                <a:ea typeface="宋体" panose="02010600030101010101" pitchFamily="2" charset="-122"/>
-              </a:defRPr>
-            </a:lvl5pPr>
-            <a:lvl6pPr marL="2514600" indent="-228600" eaLnBrk="0" fontAlgn="base" hangingPunct="0">
-              <a:spcBef>
-                <a:spcPct val="0"/>
-              </a:spcBef>
-              <a:spcAft>
-                <a:spcPct val="0"/>
-              </a:spcAft>
-              <a:defRPr>
-                <a:solidFill>
-                  <a:schemeClr val="tx1"/>
-                </a:solidFill>
-                <a:latin typeface="Arial" panose="020B0604020202020204" pitchFamily="34" charset="0"/>
-                <a:ea typeface="宋体" panose="02010600030101010101" pitchFamily="2" charset="-122"/>
-              </a:defRPr>
-            </a:lvl6pPr>
-            <a:lvl7pPr marL="2971800" indent="-228600" eaLnBrk="0" fontAlgn="base" hangingPunct="0">
-              <a:spcBef>
-                <a:spcPct val="0"/>
-              </a:spcBef>
-              <a:spcAft>
-                <a:spcPct val="0"/>
-              </a:spcAft>
-              <a:defRPr>
-                <a:solidFill>
-                  <a:schemeClr val="tx1"/>
-                </a:solidFill>
-                <a:latin typeface="Arial" panose="020B0604020202020204" pitchFamily="34" charset="0"/>
-                <a:ea typeface="宋体" panose="02010600030101010101" pitchFamily="2" charset="-122"/>
-              </a:defRPr>
-            </a:lvl7pPr>
-            <a:lvl8pPr marL="3429000" indent="-228600" eaLnBrk="0" fontAlgn="base" hangingPunct="0">
-              <a:spcBef>
-                <a:spcPct val="0"/>
-              </a:spcBef>
-              <a:spcAft>
-                <a:spcPct val="0"/>
-              </a:spcAft>
-              <a:defRPr>
-                <a:solidFill>
-                  <a:schemeClr val="tx1"/>
-                </a:solidFill>
-                <a:latin typeface="Arial" panose="020B0604020202020204" pitchFamily="34" charset="0"/>
-                <a:ea typeface="宋体" panose="02010600030101010101" pitchFamily="2" charset="-122"/>
-              </a:defRPr>
-            </a:lvl8pPr>
-            <a:lvl9pPr marL="3886200" indent="-228600" eaLnBrk="0" fontAlgn="base" hangingPunct="0">
-              <a:spcBef>
-                <a:spcPct val="0"/>
-              </a:spcBef>
-              <a:spcAft>
-                <a:spcPct val="0"/>
-              </a:spcAft>
-              <a:defRPr>
-                <a:solidFill>
-                  <a:schemeClr val="tx1"/>
-                </a:solidFill>
-                <a:latin typeface="Arial" panose="020B0604020202020204" pitchFamily="34" charset="0"/>
-                <a:ea typeface="宋体" panose="02010600030101010101" pitchFamily="2" charset="-122"/>
-              </a:defRPr>
-            </a:lvl9pPr>
-          </a:lstStyle>
-          <a:p>
-            <a:pPr>
-              <a:defRPr/>
-            </a:pPr>
-            <a:r>
-              <a:rPr lang="zh-CN" altLang="en-US" b="1" smtClean="0">
-                <a:solidFill>
-                  <a:srgbClr val="7030A0"/>
-                </a:solidFill>
-                <a:latin typeface="微软雅黑" panose="020B0503020204020204" pitchFamily="34" charset="-122"/>
-                <a:ea typeface="微软雅黑" panose="020B0503020204020204" pitchFamily="34" charset="-122"/>
-              </a:rPr>
-              <a:t>享 学 官 方 群：</a:t>
-            </a:r>
-            <a:r>
-              <a:rPr lang="en-US" altLang="zh-CN" smtClean="0"/>
-              <a:t>921908169</a:t>
-            </a:r>
-            <a:endParaRPr lang="en-US" altLang="zh-CN" smtClean="0"/>
           </a:p>
         </p:txBody>
       </p:sp>
@@ -46263,6 +46079,12 @@
 </p:tagLst>
 </file>
 
+<file path=ppt/tags/tag62.xml><?xml version="1.0" encoding="utf-8"?>
+<p:tagLst xmlns:p="http://schemas.openxmlformats.org/presentationml/2006/main">
+  <p:tag name="KSO_WM_DOC_GUID" val="{b4ba24e5-6ca9-441b-bcbb-80aabcbcd2de}"/>
+</p:tagLst>
+</file>
+
 <file path=ppt/tags/tag7.xml><?xml version="1.0" encoding="utf-8"?>
 <p:tagLst xmlns:p="http://schemas.openxmlformats.org/presentationml/2006/main">
   <p:tag name="PA" val="v4.1.3"/>
@@ -47085,4 +46907,263 @@
     </a:ext>
   </a:extLst>
 </a:theme>
+</file>
+
+<file path=ppt/theme/theme4.xml><?xml version="1.0" encoding="utf-8"?>
+<a:theme xmlns:a="http://schemas.openxmlformats.org/drawingml/2006/main" name="Office 主题">
+  <a:themeElements>
+    <a:clrScheme name="Office">
+      <a:dk1>
+        <a:sysClr val="windowText" lastClr="000000"/>
+      </a:dk1>
+      <a:lt1>
+        <a:sysClr val="window" lastClr="FFFFFF"/>
+      </a:lt1>
+      <a:dk2>
+        <a:srgbClr val="44546A"/>
+      </a:dk2>
+      <a:lt2>
+        <a:srgbClr val="E7E6E6"/>
+      </a:lt2>
+      <a:accent1>
+        <a:srgbClr val="5B9BD5"/>
+      </a:accent1>
+      <a:accent2>
+        <a:srgbClr val="ED7D31"/>
+      </a:accent2>
+      <a:accent3>
+        <a:srgbClr val="A5A5A5"/>
+      </a:accent3>
+      <a:accent4>
+        <a:srgbClr val="FFC000"/>
+      </a:accent4>
+      <a:accent5>
+        <a:srgbClr val="4472C4"/>
+      </a:accent5>
+      <a:accent6>
+        <a:srgbClr val="70AD47"/>
+      </a:accent6>
+      <a:hlink>
+        <a:srgbClr val="0563C1"/>
+      </a:hlink>
+      <a:folHlink>
+        <a:srgbClr val="954F72"/>
+      </a:folHlink>
+    </a:clrScheme>
+    <a:fontScheme name="Office">
+      <a:majorFont>
+        <a:latin typeface="Calibri Light"/>
+        <a:ea typeface=""/>
+        <a:cs typeface=""/>
+        <a:font script="Jpan" typeface="ＭＳ Ｐゴシック"/>
+        <a:font script="Hang" typeface="맑은 고딕"/>
+        <a:font script="Hans" typeface="宋体"/>
+        <a:font script="Hant" typeface="新細明體"/>
+        <a:font script="Arab" typeface="Times New Roman"/>
+        <a:font script="Hebr" typeface="Times New Roman"/>
+        <a:font script="Thai" typeface="Angsana New"/>
+        <a:font script="Ethi" typeface="Nyala"/>
+        <a:font script="Beng" typeface="Vrinda"/>
+        <a:font script="Gujr" typeface="Shruti"/>
+        <a:font script="Khmr" typeface="MoolBoran"/>
+        <a:font script="Knda" typeface="Tunga"/>
+        <a:font script="Guru" typeface="Raavi"/>
+        <a:font script="Cans" typeface="Euphemia"/>
+        <a:font script="Cher" typeface="Plantagenet Cherokee"/>
+        <a:font script="Yiii" typeface="Microsoft Yi Baiti"/>
+        <a:font script="Tibt" typeface="Microsoft Himalaya"/>
+        <a:font script="Thaa" typeface="MV Boli"/>
+        <a:font script="Deva" typeface="Mangal"/>
+        <a:font script="Telu" typeface="Gautami"/>
+        <a:font script="Taml" typeface="Latha"/>
+        <a:font script="Syrc" typeface="Estrangelo Edessa"/>
+        <a:font script="Orya" typeface="Kalinga"/>
+        <a:font script="Mlym" typeface="Kartika"/>
+        <a:font script="Laoo" typeface="DokChampa"/>
+        <a:font script="Sinh" typeface="Iskoola Pota"/>
+        <a:font script="Mong" typeface="Mongolian Baiti"/>
+        <a:font script="Viet" typeface="Times New Roman"/>
+        <a:font script="Uigh" typeface="Microsoft Uighur"/>
+        <a:font script="Geor" typeface="Sylfaen"/>
+      </a:majorFont>
+      <a:minorFont>
+        <a:latin typeface="Calibri"/>
+        <a:ea typeface=""/>
+        <a:cs typeface=""/>
+        <a:font script="Jpan" typeface="ＭＳ Ｐゴシック"/>
+        <a:font script="Hang" typeface="맑은 고딕"/>
+        <a:font script="Hans" typeface="宋体"/>
+        <a:font script="Hant" typeface="新細明體"/>
+        <a:font script="Arab" typeface="Arial"/>
+        <a:font script="Hebr" typeface="Arial"/>
+        <a:font script="Thai" typeface="Cordia New"/>
+        <a:font script="Ethi" typeface="Nyala"/>
+        <a:font script="Beng" typeface="Vrinda"/>
+        <a:font script="Gujr" typeface="Shruti"/>
+        <a:font script="Khmr" typeface="DaunPenh"/>
+        <a:font script="Knda" typeface="Tunga"/>
+        <a:font script="Guru" typeface="Raavi"/>
+        <a:font script="Cans" typeface="Euphemia"/>
+        <a:font script="Cher" typeface="Plantagenet Cherokee"/>
+        <a:font script="Yiii" typeface="Microsoft Yi Baiti"/>
+        <a:font script="Tibt" typeface="Microsoft Himalaya"/>
+        <a:font script="Thaa" typeface="MV Boli"/>
+        <a:font script="Deva" typeface="Mangal"/>
+        <a:font script="Telu" typeface="Gautami"/>
+        <a:font script="Taml" typeface="Latha"/>
+        <a:font script="Syrc" typeface="Estrangelo Edessa"/>
+        <a:font script="Orya" typeface="Kalinga"/>
+        <a:font script="Mlym" typeface="Kartika"/>
+        <a:font script="Laoo" typeface="DokChampa"/>
+        <a:font script="Sinh" typeface="Iskoola Pota"/>
+        <a:font script="Mong" typeface="Mongolian Baiti"/>
+        <a:font script="Viet" typeface="Arial"/>
+        <a:font script="Uigh" typeface="Microsoft Uighur"/>
+        <a:font script="Geor" typeface="Sylfaen"/>
+      </a:minorFont>
+    </a:fontScheme>
+    <a:fmtScheme name="Office">
+      <a:fillStyleLst>
+        <a:solidFill>
+          <a:schemeClr val="phClr"/>
+        </a:solidFill>
+        <a:gradFill rotWithShape="1">
+          <a:gsLst>
+            <a:gs pos="0">
+              <a:schemeClr val="phClr">
+                <a:lumMod val="110000"/>
+                <a:satMod val="105000"/>
+                <a:tint val="67000"/>
+              </a:schemeClr>
+            </a:gs>
+            <a:gs pos="50000">
+              <a:schemeClr val="phClr">
+                <a:lumMod val="105000"/>
+                <a:satMod val="103000"/>
+                <a:tint val="73000"/>
+              </a:schemeClr>
+            </a:gs>
+            <a:gs pos="100000">
+              <a:schemeClr val="phClr">
+                <a:lumMod val="105000"/>
+                <a:satMod val="109000"/>
+                <a:tint val="81000"/>
+              </a:schemeClr>
+            </a:gs>
+          </a:gsLst>
+          <a:lin ang="5400000" scaled="0"/>
+        </a:gradFill>
+        <a:gradFill rotWithShape="1">
+          <a:gsLst>
+            <a:gs pos="0">
+              <a:schemeClr val="phClr">
+                <a:satMod val="103000"/>
+                <a:lumMod val="102000"/>
+                <a:tint val="94000"/>
+              </a:schemeClr>
+            </a:gs>
+            <a:gs pos="50000">
+              <a:schemeClr val="phClr">
+                <a:satMod val="110000"/>
+                <a:lumMod val="100000"/>
+                <a:shade val="100000"/>
+              </a:schemeClr>
+            </a:gs>
+            <a:gs pos="100000">
+              <a:schemeClr val="phClr">
+                <a:lumMod val="99000"/>
+                <a:satMod val="120000"/>
+                <a:shade val="78000"/>
+              </a:schemeClr>
+            </a:gs>
+          </a:gsLst>
+          <a:lin ang="5400000" scaled="0"/>
+        </a:gradFill>
+      </a:fillStyleLst>
+      <a:lnStyleLst>
+        <a:ln w="6350" cap="flat" cmpd="sng" algn="ctr">
+          <a:solidFill>
+            <a:schemeClr val="phClr"/>
+          </a:solidFill>
+          <a:prstDash val="solid"/>
+          <a:miter lim="800000"/>
+        </a:ln>
+        <a:ln w="12700" cap="flat" cmpd="sng" algn="ctr">
+          <a:solidFill>
+            <a:schemeClr val="phClr"/>
+          </a:solidFill>
+          <a:prstDash val="solid"/>
+          <a:miter lim="800000"/>
+        </a:ln>
+        <a:ln w="19050" cap="flat" cmpd="sng" algn="ctr">
+          <a:solidFill>
+            <a:schemeClr val="phClr"/>
+          </a:solidFill>
+          <a:prstDash val="solid"/>
+          <a:miter lim="800000"/>
+        </a:ln>
+      </a:lnStyleLst>
+      <a:effectStyleLst>
+        <a:effectStyle>
+          <a:effectLst/>
+        </a:effectStyle>
+        <a:effectStyle>
+          <a:effectLst/>
+        </a:effectStyle>
+        <a:effectStyle>
+          <a:effectLst>
+            <a:outerShdw blurRad="57150" dist="19050" dir="5400000" algn="ctr" rotWithShape="0">
+              <a:srgbClr val="000000">
+                <a:alpha val="63000"/>
+              </a:srgbClr>
+            </a:outerShdw>
+          </a:effectLst>
+        </a:effectStyle>
+      </a:effectStyleLst>
+      <a:bgFillStyleLst>
+        <a:solidFill>
+          <a:schemeClr val="phClr"/>
+        </a:solidFill>
+        <a:solidFill>
+          <a:schemeClr val="phClr">
+            <a:tint val="95000"/>
+            <a:satMod val="170000"/>
+          </a:schemeClr>
+        </a:solidFill>
+        <a:gradFill rotWithShape="1">
+          <a:gsLst>
+            <a:gs pos="0">
+              <a:schemeClr val="phClr">
+                <a:tint val="93000"/>
+                <a:satMod val="150000"/>
+                <a:shade val="98000"/>
+                <a:lumMod val="102000"/>
+              </a:schemeClr>
+            </a:gs>
+            <a:gs pos="50000">
+              <a:schemeClr val="phClr">
+                <a:tint val="98000"/>
+                <a:satMod val="130000"/>
+                <a:shade val="90000"/>
+                <a:lumMod val="103000"/>
+              </a:schemeClr>
+            </a:gs>
+            <a:gs pos="100000">
+              <a:schemeClr val="phClr">
+                <a:shade val="63000"/>
+                <a:satMod val="120000"/>
+              </a:schemeClr>
+            </a:gs>
+          </a:gsLst>
+          <a:lin ang="5400000" scaled="0"/>
+        </a:gradFill>
+      </a:bgFillStyleLst>
+    </a:fmtScheme>
+  </a:themeElements>
+  <a:extLst>
+    <a:ext uri="{05A4C25C-085E-4340-85A3-A5531E510DB2}">
+      <thm15:themeFamily xmlns:thm15="http://schemas.microsoft.com/office/thememl/2012/main" name="Office Theme" id="{62F939B6-93AF-4DB8-9C6B-D6C7DFDC589F}" vid="{4A3C46E8-61CC-4603-A589-7422A47A8E4A}"/>
+    </a:ext>
+  </a:extLst>
+</a:theme>
 </file>